--- a/4_flowchart/flowchart.pptx
+++ b/4_flowchart/flowchart.pptx
@@ -5,32 +5,33 @@
     <p:sldMasterId id="2147483672" r:id="rId1"/>
   </p:sldMasterIdLst>
   <p:notesMasterIdLst>
-    <p:notesMasterId r:id="rId8"/>
+    <p:notesMasterId r:id="rId9"/>
   </p:notesMasterIdLst>
   <p:sldIdLst>
-    <p:sldId id="291" r:id="rId2"/>
-    <p:sldId id="317" r:id="rId3"/>
-    <p:sldId id="316" r:id="rId4"/>
-    <p:sldId id="313" r:id="rId5"/>
-    <p:sldId id="314" r:id="rId6"/>
-    <p:sldId id="318" r:id="rId7"/>
+    <p:sldId id="322" r:id="rId2"/>
+    <p:sldId id="323" r:id="rId3"/>
+    <p:sldId id="324" r:id="rId4"/>
+    <p:sldId id="325" r:id="rId5"/>
+    <p:sldId id="319" r:id="rId6"/>
+    <p:sldId id="320" r:id="rId7"/>
+    <p:sldId id="321" r:id="rId8"/>
   </p:sldIdLst>
   <p:sldSz cx="12192000" cy="6858000"/>
   <p:notesSz cx="6858000" cy="9144000"/>
   <p:embeddedFontLst>
     <p:embeddedFont>
-      <p:font typeface="Calibri" pitchFamily="34" charset="0"/>
-      <p:regular r:id="rId9"/>
-      <p:bold r:id="rId10"/>
-      <p:italic r:id="rId11"/>
-      <p:boldItalic r:id="rId12"/>
+      <p:font typeface="Open Sans Light" charset="0"/>
+      <p:regular r:id="rId10"/>
+      <p:bold r:id="rId11"/>
+      <p:italic r:id="rId12"/>
+      <p:boldItalic r:id="rId13"/>
     </p:embeddedFont>
     <p:embeddedFont>
-      <p:font typeface="Open Sans Light" charset="0"/>
-      <p:regular r:id="rId13"/>
-      <p:bold r:id="rId14"/>
-      <p:italic r:id="rId15"/>
-      <p:boldItalic r:id="rId16"/>
+      <p:font typeface="Calibri" pitchFamily="34" charset="0"/>
+      <p:regular r:id="rId14"/>
+      <p:bold r:id="rId15"/>
+      <p:italic r:id="rId16"/>
+      <p:boldItalic r:id="rId17"/>
     </p:embeddedFont>
   </p:embeddedFontLst>
   <p:defaultTextStyle>
@@ -264,10 +265,10 @@
   </p:defaultTextStyle>
   <p:extLst>
     <p:ext uri="{EFAFB233-063F-42B5-8137-9DF3F51BA10A}">
-      <p15:sldGuideLst xmlns="" xmlns:p15="http://schemas.microsoft.com/office/powerpoint/2012/main"/>
+      <p15:sldGuideLst xmlns:p15="http://schemas.microsoft.com/office/powerpoint/2012/main" xmlns=""/>
     </p:ext>
     <p:ext uri="http://customooxmlschemas.google.com/">
-      <go:slidesCustomData xmlns="" xmlns:mc="http://schemas.openxmlformats.org/markup-compatibility/2006" xmlns:mv="urn:schemas-microsoft-com:mac:vml" xmlns:c="http://schemas.openxmlformats.org/drawingml/2006/chart" xmlns:dgm="http://schemas.openxmlformats.org/drawingml/2006/diagram" xmlns:o="urn:schemas-microsoft-com:office:office" xmlns:v="urn:schemas-microsoft-com:vml" xmlns:pvml="urn:schemas-microsoft-com:office:powerpoint" xmlns:com="http://schemas.openxmlformats.org/drawingml/2006/compatibility" xmlns:p14="http://schemas.microsoft.com/office/powerpoint/2010/main" xmlns:p15="http://schemas.microsoft.com/office/powerpoint/2012/main" xmlns:ahyp="http://schemas.microsoft.com/office/drawing/2018/hyperlinkcolor" xmlns:go="http://customooxmlschemas.google.com/" r:id="rId71" roundtripDataSignature="AMtx7mjmNCvhfDgD5cVxwQ3x4/volKKtPw=="/>
+      <go:slidesCustomData xmlns:go="http://customooxmlschemas.google.com/" xmlns:ahyp="http://schemas.microsoft.com/office/drawing/2018/hyperlinkcolor" xmlns:p15="http://schemas.microsoft.com/office/powerpoint/2012/main" xmlns:p14="http://schemas.microsoft.com/office/powerpoint/2010/main" xmlns:com="http://schemas.openxmlformats.org/drawingml/2006/compatibility" xmlns:pvml="urn:schemas-microsoft-com:office:powerpoint" xmlns:v="urn:schemas-microsoft-com:vml" xmlns:o="urn:schemas-microsoft-com:office:office" xmlns:dgm="http://schemas.openxmlformats.org/drawingml/2006/diagram" xmlns:c="http://schemas.openxmlformats.org/drawingml/2006/chart" xmlns:mv="urn:schemas-microsoft-com:mac:vml" xmlns:mc="http://schemas.openxmlformats.org/markup-compatibility/2006" xmlns="" r:id="rId71" roundtripDataSignature="AMtx7mjmNCvhfDgD5cVxwQ3x4/volKKtPw=="/>
     </p:ext>
   </p:extLst>
 </p:presentation>
@@ -720,11 +721,11 @@
 </file>
 
 <file path=ppt/notesSlides/notesSlide1.xml><?xml version="1.0" encoding="utf-8"?>
-<p:notes xmlns:a="http://schemas.openxmlformats.org/drawingml/2006/main" xmlns:r="http://schemas.openxmlformats.org/officeDocument/2006/relationships" xmlns:p="http://schemas.openxmlformats.org/presentationml/2006/main" showMasterSp="0" showMasterPhAnim="0">
+<p:notes xmlns:a="http://schemas.openxmlformats.org/drawingml/2006/main" xmlns:r="http://schemas.openxmlformats.org/officeDocument/2006/relationships" xmlns:p="http://schemas.openxmlformats.org/presentationml/2006/main">
   <p:cSld>
     <p:spTree>
       <p:nvGrpSpPr>
-        <p:cNvPr id="1" name="Shape 137"/>
+        <p:cNvPr id="1" name=""/>
         <p:cNvGrpSpPr/>
         <p:nvPr/>
       </p:nvGrpSpPr>
@@ -738,50 +739,12 @@
       </p:grpSpPr>
       <p:sp>
         <p:nvSpPr>
-          <p:cNvPr id="138" name="Google Shape;138;p4:notes"/>
-          <p:cNvSpPr txBox="1">
-            <a:spLocks noGrp="1"/>
-          </p:cNvSpPr>
-          <p:nvPr>
-            <p:ph type="body" idx="1"/>
-          </p:nvPr>
-        </p:nvSpPr>
-        <p:spPr>
-          <a:xfrm>
-            <a:off x="685800" y="4343400"/>
-            <a:ext cx="5486400" cy="4114800"/>
-          </a:xfrm>
-          <a:prstGeom prst="rect">
-            <a:avLst/>
-          </a:prstGeom>
-        </p:spPr>
-        <p:txBody>
-          <a:bodyPr spcFirstLastPara="1" wrap="square" lIns="91425" tIns="91425" rIns="91425" bIns="91425" anchor="t" anchorCtr="0">
-            <a:noAutofit/>
-          </a:bodyPr>
-          <a:lstStyle/>
-          <a:p>
-            <a:pPr marL="0" lvl="0" indent="0" algn="l" rtl="0">
-              <a:spcBef>
-                <a:spcPts val="0"/>
-              </a:spcBef>
-              <a:spcAft>
-                <a:spcPts val="0"/>
-              </a:spcAft>
-              <a:buNone/>
-            </a:pPr>
-            <a:endParaRPr dirty="0"/>
-          </a:p>
-        </p:txBody>
-      </p:sp>
-      <p:sp>
-        <p:nvSpPr>
-          <p:cNvPr id="139" name="Google Shape;139;p4:notes"/>
+          <p:cNvPr id="2" name="Slide Image Placeholder 1"/>
           <p:cNvSpPr>
             <a:spLocks noGrp="1" noRot="1" noChangeAspect="1"/>
           </p:cNvSpPr>
           <p:nvPr>
-            <p:ph type="sldImg" idx="2"/>
+            <p:ph type="sldImg"/>
           </p:nvPr>
         </p:nvSpPr>
         <p:spPr>
@@ -789,36 +752,31 @@
             <a:off x="381000" y="685800"/>
             <a:ext cx="6096000" cy="3429000"/>
           </a:xfrm>
-          <a:custGeom>
-            <a:avLst/>
-            <a:gdLst/>
-            <a:ahLst/>
-            <a:cxnLst/>
-            <a:rect l="l" t="t" r="r" b="b"/>
-            <a:pathLst>
-              <a:path w="120000" h="120000" extrusionOk="0">
-                <a:moveTo>
-                  <a:pt x="0" y="0"/>
-                </a:moveTo>
-                <a:lnTo>
-                  <a:pt x="120000" y="0"/>
-                </a:lnTo>
-                <a:lnTo>
-                  <a:pt x="120000" y="120000"/>
-                </a:lnTo>
-                <a:lnTo>
-                  <a:pt x="0" y="120000"/>
-                </a:lnTo>
-                <a:close/>
-              </a:path>
-            </a:pathLst>
-          </a:custGeom>
         </p:spPr>
+      </p:sp>
+      <p:sp>
+        <p:nvSpPr>
+          <p:cNvPr id="3" name="Notes Placeholder 2"/>
+          <p:cNvSpPr>
+            <a:spLocks noGrp="1"/>
+          </p:cNvSpPr>
+          <p:nvPr>
+            <p:ph type="body" idx="1"/>
+          </p:nvPr>
+        </p:nvSpPr>
+        <p:spPr/>
+        <p:txBody>
+          <a:bodyPr/>
+          <a:lstStyle/>
+          <a:p>
+            <a:endParaRPr lang="en-US" dirty="0"/>
+          </a:p>
+        </p:txBody>
       </p:sp>
     </p:spTree>
     <p:extLst>
       <p:ext uri="{BB962C8B-B14F-4D97-AF65-F5344CB8AC3E}">
-        <p14:creationId xmlns:p14="http://schemas.microsoft.com/office/powerpoint/2010/main" val="116016648"/>
+        <p14:creationId xmlns:p14="http://schemas.microsoft.com/office/powerpoint/2010/main" val="3798304061"/>
       </p:ext>
     </p:extLst>
   </p:cSld>
@@ -829,11 +787,11 @@
 </file>
 
 <file path=ppt/notesSlides/notesSlide2.xml><?xml version="1.0" encoding="utf-8"?>
-<p:notes xmlns:a="http://schemas.openxmlformats.org/drawingml/2006/main" xmlns:r="http://schemas.openxmlformats.org/officeDocument/2006/relationships" xmlns:p="http://schemas.openxmlformats.org/presentationml/2006/main" showMasterSp="0" showMasterPhAnim="0">
+<p:notes xmlns:a="http://schemas.openxmlformats.org/drawingml/2006/main" xmlns:r="http://schemas.openxmlformats.org/officeDocument/2006/relationships" xmlns:p="http://schemas.openxmlformats.org/presentationml/2006/main">
   <p:cSld>
     <p:spTree>
       <p:nvGrpSpPr>
-        <p:cNvPr id="1" name="Shape 137"/>
+        <p:cNvPr id="1" name=""/>
         <p:cNvGrpSpPr/>
         <p:nvPr/>
       </p:nvGrpSpPr>
@@ -847,50 +805,12 @@
       </p:grpSpPr>
       <p:sp>
         <p:nvSpPr>
-          <p:cNvPr id="138" name="Google Shape;138;p4:notes"/>
-          <p:cNvSpPr txBox="1">
-            <a:spLocks noGrp="1"/>
-          </p:cNvSpPr>
-          <p:nvPr>
-            <p:ph type="body" idx="1"/>
-          </p:nvPr>
-        </p:nvSpPr>
-        <p:spPr>
-          <a:xfrm>
-            <a:off x="685800" y="4343400"/>
-            <a:ext cx="5486400" cy="4114800"/>
-          </a:xfrm>
-          <a:prstGeom prst="rect">
-            <a:avLst/>
-          </a:prstGeom>
-        </p:spPr>
-        <p:txBody>
-          <a:bodyPr spcFirstLastPara="1" wrap="square" lIns="91425" tIns="91425" rIns="91425" bIns="91425" anchor="t" anchorCtr="0">
-            <a:noAutofit/>
-          </a:bodyPr>
-          <a:lstStyle/>
-          <a:p>
-            <a:pPr marL="0" lvl="0" indent="0" algn="l" rtl="0">
-              <a:spcBef>
-                <a:spcPts val="0"/>
-              </a:spcBef>
-              <a:spcAft>
-                <a:spcPts val="0"/>
-              </a:spcAft>
-              <a:buNone/>
-            </a:pPr>
-            <a:endParaRPr dirty="0"/>
-          </a:p>
-        </p:txBody>
-      </p:sp>
-      <p:sp>
-        <p:nvSpPr>
-          <p:cNvPr id="139" name="Google Shape;139;p4:notes"/>
+          <p:cNvPr id="2" name="Slide Image Placeholder 1"/>
           <p:cNvSpPr>
             <a:spLocks noGrp="1" noRot="1" noChangeAspect="1"/>
           </p:cNvSpPr>
           <p:nvPr>
-            <p:ph type="sldImg" idx="2"/>
+            <p:ph type="sldImg"/>
           </p:nvPr>
         </p:nvSpPr>
         <p:spPr>
@@ -898,36 +818,31 @@
             <a:off x="381000" y="685800"/>
             <a:ext cx="6096000" cy="3429000"/>
           </a:xfrm>
-          <a:custGeom>
-            <a:avLst/>
-            <a:gdLst/>
-            <a:ahLst/>
-            <a:cxnLst/>
-            <a:rect l="l" t="t" r="r" b="b"/>
-            <a:pathLst>
-              <a:path w="120000" h="120000" extrusionOk="0">
-                <a:moveTo>
-                  <a:pt x="0" y="0"/>
-                </a:moveTo>
-                <a:lnTo>
-                  <a:pt x="120000" y="0"/>
-                </a:lnTo>
-                <a:lnTo>
-                  <a:pt x="120000" y="120000"/>
-                </a:lnTo>
-                <a:lnTo>
-                  <a:pt x="0" y="120000"/>
-                </a:lnTo>
-                <a:close/>
-              </a:path>
-            </a:pathLst>
-          </a:custGeom>
         </p:spPr>
+      </p:sp>
+      <p:sp>
+        <p:nvSpPr>
+          <p:cNvPr id="3" name="Notes Placeholder 2"/>
+          <p:cNvSpPr>
+            <a:spLocks noGrp="1"/>
+          </p:cNvSpPr>
+          <p:nvPr>
+            <p:ph type="body" idx="1"/>
+          </p:nvPr>
+        </p:nvSpPr>
+        <p:spPr/>
+        <p:txBody>
+          <a:bodyPr/>
+          <a:lstStyle/>
+          <a:p>
+            <a:endParaRPr lang="en-US" dirty="0"/>
+          </a:p>
+        </p:txBody>
       </p:sp>
     </p:spTree>
     <p:extLst>
       <p:ext uri="{BB962C8B-B14F-4D97-AF65-F5344CB8AC3E}">
-        <p14:creationId xmlns:p14="http://schemas.microsoft.com/office/powerpoint/2010/main" val="116016648"/>
+        <p14:creationId xmlns:p14="http://schemas.microsoft.com/office/powerpoint/2010/main" val="611430502"/>
       </p:ext>
     </p:extLst>
   </p:cSld>
@@ -938,11 +853,11 @@
 </file>
 
 <file path=ppt/notesSlides/notesSlide3.xml><?xml version="1.0" encoding="utf-8"?>
-<p:notes xmlns:a="http://schemas.openxmlformats.org/drawingml/2006/main" xmlns:r="http://schemas.openxmlformats.org/officeDocument/2006/relationships" xmlns:p="http://schemas.openxmlformats.org/presentationml/2006/main" showMasterSp="0" showMasterPhAnim="0">
+<p:notes xmlns:a="http://schemas.openxmlformats.org/drawingml/2006/main" xmlns:r="http://schemas.openxmlformats.org/officeDocument/2006/relationships" xmlns:p="http://schemas.openxmlformats.org/presentationml/2006/main">
   <p:cSld>
     <p:spTree>
       <p:nvGrpSpPr>
-        <p:cNvPr id="1" name="Shape 137"/>
+        <p:cNvPr id="1" name=""/>
         <p:cNvGrpSpPr/>
         <p:nvPr/>
       </p:nvGrpSpPr>
@@ -956,50 +871,12 @@
       </p:grpSpPr>
       <p:sp>
         <p:nvSpPr>
-          <p:cNvPr id="138" name="Google Shape;138;p4:notes"/>
-          <p:cNvSpPr txBox="1">
-            <a:spLocks noGrp="1"/>
-          </p:cNvSpPr>
-          <p:nvPr>
-            <p:ph type="body" idx="1"/>
-          </p:nvPr>
-        </p:nvSpPr>
-        <p:spPr>
-          <a:xfrm>
-            <a:off x="685800" y="4343400"/>
-            <a:ext cx="5486400" cy="4114800"/>
-          </a:xfrm>
-          <a:prstGeom prst="rect">
-            <a:avLst/>
-          </a:prstGeom>
-        </p:spPr>
-        <p:txBody>
-          <a:bodyPr spcFirstLastPara="1" wrap="square" lIns="91425" tIns="91425" rIns="91425" bIns="91425" anchor="t" anchorCtr="0">
-            <a:noAutofit/>
-          </a:bodyPr>
-          <a:lstStyle/>
-          <a:p>
-            <a:pPr marL="0" lvl="0" indent="0" algn="l" rtl="0">
-              <a:spcBef>
-                <a:spcPts val="0"/>
-              </a:spcBef>
-              <a:spcAft>
-                <a:spcPts val="0"/>
-              </a:spcAft>
-              <a:buNone/>
-            </a:pPr>
-            <a:endParaRPr dirty="0"/>
-          </a:p>
-        </p:txBody>
-      </p:sp>
-      <p:sp>
-        <p:nvSpPr>
-          <p:cNvPr id="139" name="Google Shape;139;p4:notes"/>
+          <p:cNvPr id="2" name="Slide Image Placeholder 1"/>
           <p:cNvSpPr>
             <a:spLocks noGrp="1" noRot="1" noChangeAspect="1"/>
           </p:cNvSpPr>
           <p:nvPr>
-            <p:ph type="sldImg" idx="2"/>
+            <p:ph type="sldImg"/>
           </p:nvPr>
         </p:nvSpPr>
         <p:spPr>
@@ -1007,36 +884,31 @@
             <a:off x="381000" y="685800"/>
             <a:ext cx="6096000" cy="3429000"/>
           </a:xfrm>
-          <a:custGeom>
-            <a:avLst/>
-            <a:gdLst/>
-            <a:ahLst/>
-            <a:cxnLst/>
-            <a:rect l="l" t="t" r="r" b="b"/>
-            <a:pathLst>
-              <a:path w="120000" h="120000" extrusionOk="0">
-                <a:moveTo>
-                  <a:pt x="0" y="0"/>
-                </a:moveTo>
-                <a:lnTo>
-                  <a:pt x="120000" y="0"/>
-                </a:lnTo>
-                <a:lnTo>
-                  <a:pt x="120000" y="120000"/>
-                </a:lnTo>
-                <a:lnTo>
-                  <a:pt x="0" y="120000"/>
-                </a:lnTo>
-                <a:close/>
-              </a:path>
-            </a:pathLst>
-          </a:custGeom>
         </p:spPr>
+      </p:sp>
+      <p:sp>
+        <p:nvSpPr>
+          <p:cNvPr id="3" name="Notes Placeholder 2"/>
+          <p:cNvSpPr>
+            <a:spLocks noGrp="1"/>
+          </p:cNvSpPr>
+          <p:nvPr>
+            <p:ph type="body" idx="1"/>
+          </p:nvPr>
+        </p:nvSpPr>
+        <p:spPr/>
+        <p:txBody>
+          <a:bodyPr/>
+          <a:lstStyle/>
+          <a:p>
+            <a:endParaRPr lang="en-US" dirty="0"/>
+          </a:p>
+        </p:txBody>
       </p:sp>
     </p:spTree>
     <p:extLst>
       <p:ext uri="{BB962C8B-B14F-4D97-AF65-F5344CB8AC3E}">
-        <p14:creationId xmlns:p14="http://schemas.microsoft.com/office/powerpoint/2010/main" val="116016648"/>
+        <p14:creationId xmlns:p14="http://schemas.microsoft.com/office/powerpoint/2010/main" val="1001501492"/>
       </p:ext>
     </p:extLst>
   </p:cSld>
@@ -1047,11 +919,11 @@
 </file>
 
 <file path=ppt/notesSlides/notesSlide4.xml><?xml version="1.0" encoding="utf-8"?>
-<p:notes xmlns:a="http://schemas.openxmlformats.org/drawingml/2006/main" xmlns:r="http://schemas.openxmlformats.org/officeDocument/2006/relationships" xmlns:p="http://schemas.openxmlformats.org/presentationml/2006/main" showMasterSp="0" showMasterPhAnim="0">
+<p:notes xmlns:a="http://schemas.openxmlformats.org/drawingml/2006/main" xmlns:r="http://schemas.openxmlformats.org/officeDocument/2006/relationships" xmlns:p="http://schemas.openxmlformats.org/presentationml/2006/main">
   <p:cSld>
     <p:spTree>
       <p:nvGrpSpPr>
-        <p:cNvPr id="1" name="Shape 137"/>
+        <p:cNvPr id="1" name=""/>
         <p:cNvGrpSpPr/>
         <p:nvPr/>
       </p:nvGrpSpPr>
@@ -1065,50 +937,12 @@
       </p:grpSpPr>
       <p:sp>
         <p:nvSpPr>
-          <p:cNvPr id="138" name="Google Shape;138;p4:notes"/>
-          <p:cNvSpPr txBox="1">
-            <a:spLocks noGrp="1"/>
-          </p:cNvSpPr>
-          <p:nvPr>
-            <p:ph type="body" idx="1"/>
-          </p:nvPr>
-        </p:nvSpPr>
-        <p:spPr>
-          <a:xfrm>
-            <a:off x="685800" y="4343400"/>
-            <a:ext cx="5486400" cy="4114800"/>
-          </a:xfrm>
-          <a:prstGeom prst="rect">
-            <a:avLst/>
-          </a:prstGeom>
-        </p:spPr>
-        <p:txBody>
-          <a:bodyPr spcFirstLastPara="1" wrap="square" lIns="91425" tIns="91425" rIns="91425" bIns="91425" anchor="t" anchorCtr="0">
-            <a:noAutofit/>
-          </a:bodyPr>
-          <a:lstStyle/>
-          <a:p>
-            <a:pPr marL="0" lvl="0" indent="0" algn="l" rtl="0">
-              <a:spcBef>
-                <a:spcPts val="0"/>
-              </a:spcBef>
-              <a:spcAft>
-                <a:spcPts val="0"/>
-              </a:spcAft>
-              <a:buNone/>
-            </a:pPr>
-            <a:endParaRPr dirty="0"/>
-          </a:p>
-        </p:txBody>
-      </p:sp>
-      <p:sp>
-        <p:nvSpPr>
-          <p:cNvPr id="139" name="Google Shape;139;p4:notes"/>
+          <p:cNvPr id="2" name="Slide Image Placeholder 1"/>
           <p:cNvSpPr>
             <a:spLocks noGrp="1" noRot="1" noChangeAspect="1"/>
           </p:cNvSpPr>
           <p:nvPr>
-            <p:ph type="sldImg" idx="2"/>
+            <p:ph type="sldImg"/>
           </p:nvPr>
         </p:nvSpPr>
         <p:spPr>
@@ -1116,36 +950,97 @@
             <a:off x="381000" y="685800"/>
             <a:ext cx="6096000" cy="3429000"/>
           </a:xfrm>
-          <a:custGeom>
-            <a:avLst/>
-            <a:gdLst/>
-            <a:ahLst/>
-            <a:cxnLst/>
-            <a:rect l="l" t="t" r="r" b="b"/>
-            <a:pathLst>
-              <a:path w="120000" h="120000" extrusionOk="0">
-                <a:moveTo>
-                  <a:pt x="0" y="0"/>
-                </a:moveTo>
-                <a:lnTo>
-                  <a:pt x="120000" y="0"/>
-                </a:lnTo>
-                <a:lnTo>
-                  <a:pt x="120000" y="120000"/>
-                </a:lnTo>
-                <a:lnTo>
-                  <a:pt x="0" y="120000"/>
-                </a:lnTo>
-                <a:close/>
-              </a:path>
-            </a:pathLst>
-          </a:custGeom>
         </p:spPr>
+      </p:sp>
+      <p:sp>
+        <p:nvSpPr>
+          <p:cNvPr id="3" name="Notes Placeholder 2"/>
+          <p:cNvSpPr>
+            <a:spLocks noGrp="1"/>
+          </p:cNvSpPr>
+          <p:nvPr>
+            <p:ph type="body" idx="1"/>
+          </p:nvPr>
+        </p:nvSpPr>
+        <p:spPr/>
+        <p:txBody>
+          <a:bodyPr/>
+          <a:lstStyle/>
+          <a:p>
+            <a:endParaRPr lang="en-US" dirty="0"/>
+          </a:p>
+        </p:txBody>
       </p:sp>
     </p:spTree>
     <p:extLst>
       <p:ext uri="{BB962C8B-B14F-4D97-AF65-F5344CB8AC3E}">
-        <p14:creationId xmlns:p14="http://schemas.microsoft.com/office/powerpoint/2010/main" val="116016648"/>
+        <p14:creationId xmlns:p14="http://schemas.microsoft.com/office/powerpoint/2010/main" val="49338554"/>
+      </p:ext>
+    </p:extLst>
+  </p:cSld>
+  <p:clrMapOvr>
+    <a:masterClrMapping/>
+  </p:clrMapOvr>
+</p:notes>
+</file>
+
+<file path=ppt/notesSlides/notesSlide5.xml><?xml version="1.0" encoding="utf-8"?>
+<p:notes xmlns:a="http://schemas.openxmlformats.org/drawingml/2006/main" xmlns:r="http://schemas.openxmlformats.org/officeDocument/2006/relationships" xmlns:p="http://schemas.openxmlformats.org/presentationml/2006/main">
+  <p:cSld>
+    <p:spTree>
+      <p:nvGrpSpPr>
+        <p:cNvPr id="1" name=""/>
+        <p:cNvGrpSpPr/>
+        <p:nvPr/>
+      </p:nvGrpSpPr>
+      <p:grpSpPr>
+        <a:xfrm>
+          <a:off x="0" y="0"/>
+          <a:ext cx="0" cy="0"/>
+          <a:chOff x="0" y="0"/>
+          <a:chExt cx="0" cy="0"/>
+        </a:xfrm>
+      </p:grpSpPr>
+      <p:sp>
+        <p:nvSpPr>
+          <p:cNvPr id="2" name="Slide Image Placeholder 1"/>
+          <p:cNvSpPr>
+            <a:spLocks noGrp="1" noRot="1" noChangeAspect="1"/>
+          </p:cNvSpPr>
+          <p:nvPr>
+            <p:ph type="sldImg"/>
+          </p:nvPr>
+        </p:nvSpPr>
+        <p:spPr>
+          <a:xfrm>
+            <a:off x="381000" y="685800"/>
+            <a:ext cx="6096000" cy="3429000"/>
+          </a:xfrm>
+        </p:spPr>
+      </p:sp>
+      <p:sp>
+        <p:nvSpPr>
+          <p:cNvPr id="3" name="Notes Placeholder 2"/>
+          <p:cNvSpPr>
+            <a:spLocks noGrp="1"/>
+          </p:cNvSpPr>
+          <p:nvPr>
+            <p:ph type="body" idx="1"/>
+          </p:nvPr>
+        </p:nvSpPr>
+        <p:spPr/>
+        <p:txBody>
+          <a:bodyPr/>
+          <a:lstStyle/>
+          <a:p>
+            <a:endParaRPr lang="en-US" dirty="0"/>
+          </a:p>
+        </p:txBody>
+      </p:sp>
+    </p:spTree>
+    <p:extLst>
+      <p:ext uri="{BB962C8B-B14F-4D97-AF65-F5344CB8AC3E}">
+        <p14:creationId xmlns:p14="http://schemas.microsoft.com/office/powerpoint/2010/main" val="49338554"/>
       </p:ext>
     </p:extLst>
   </p:cSld>
@@ -4439,281 +4334,7 @@
       </p:grpSpPr>
       <p:sp>
         <p:nvSpPr>
-          <p:cNvPr id="7" name="Google Shape;133;p3"/>
-          <p:cNvSpPr/>
-          <p:nvPr/>
-        </p:nvSpPr>
-        <p:spPr>
-          <a:xfrm rot="10800000">
-            <a:off x="1" y="-52008"/>
-            <a:ext cx="5108148" cy="6926578"/>
-          </a:xfrm>
-          <a:custGeom>
-            <a:avLst/>
-            <a:gdLst/>
-            <a:ahLst/>
-            <a:cxnLst/>
-            <a:rect l="l" t="t" r="r" b="b"/>
-            <a:pathLst>
-              <a:path w="6699211" h="6857998" extrusionOk="0">
-                <a:moveTo>
-                  <a:pt x="2702995" y="42638"/>
-                </a:moveTo>
-                <a:lnTo>
-                  <a:pt x="6699211" y="0"/>
-                </a:lnTo>
-                <a:lnTo>
-                  <a:pt x="6699211" y="6857998"/>
-                </a:lnTo>
-                <a:lnTo>
-                  <a:pt x="0" y="6844350"/>
-                </a:lnTo>
-                <a:lnTo>
-                  <a:pt x="2702995" y="42638"/>
-                </a:lnTo>
-                <a:close/>
-              </a:path>
-            </a:pathLst>
-          </a:custGeom>
-          <a:solidFill>
-            <a:schemeClr val="lt2"/>
-          </a:solidFill>
-          <a:ln>
-            <a:noFill/>
-          </a:ln>
-        </p:spPr>
-        <p:txBody>
-          <a:bodyPr spcFirstLastPara="1" wrap="square" lIns="91425" tIns="45700" rIns="91425" bIns="45700" anchor="ctr" anchorCtr="0">
-            <a:noAutofit/>
-          </a:bodyPr>
-          <a:lstStyle/>
-          <a:p>
-            <a:pPr marL="0" lvl="0" indent="0" algn="l" rtl="0">
-              <a:spcBef>
-                <a:spcPts val="0"/>
-              </a:spcBef>
-              <a:spcAft>
-                <a:spcPts val="0"/>
-              </a:spcAft>
-              <a:buNone/>
-            </a:pPr>
-            <a:endParaRPr lang="en-GB" dirty="0"/>
-          </a:p>
-        </p:txBody>
-      </p:sp>
-      <p:pic>
-        <p:nvPicPr>
-          <p:cNvPr id="5122" name="Picture 2" descr="PlantUML diagram"/>
-          <p:cNvPicPr>
-            <a:picLocks noChangeAspect="1" noChangeArrowheads="1"/>
-          </p:cNvPicPr>
-          <p:nvPr/>
-        </p:nvPicPr>
-        <p:blipFill rotWithShape="1">
-          <a:blip r:embed="rId2">
-            <a:extLst>
-              <a:ext uri="{28A0092B-C50C-407E-A947-70E740481C1C}">
-                <a14:useLocalDpi xmlns:a14="http://schemas.microsoft.com/office/drawing/2010/main" val="0"/>
-              </a:ext>
-            </a:extLst>
-          </a:blip>
-          <a:srcRect t="3554" b="32589"/>
-          <a:stretch/>
-        </p:blipFill>
-        <p:spPr bwMode="auto">
-          <a:xfrm>
-            <a:off x="-44437" y="775744"/>
-            <a:ext cx="12236437" cy="5271073"/>
-          </a:xfrm>
-          <a:prstGeom prst="rect">
-            <a:avLst/>
-          </a:prstGeom>
-          <a:noFill/>
-          <a:extLst>
-            <a:ext uri="{909E8E84-426E-40DD-AFC4-6F175D3DCCD1}">
-              <a14:hiddenFill xmlns:a14="http://schemas.microsoft.com/office/drawing/2010/main">
-                <a:solidFill>
-                  <a:srgbClr val="FFFFFF"/>
-                </a:solidFill>
-              </a14:hiddenFill>
-            </a:ext>
-          </a:extLst>
-        </p:spPr>
-      </p:pic>
-      <p:pic>
-        <p:nvPicPr>
-          <p:cNvPr id="8" name="Picture 2" descr="PlantUML diagram"/>
-          <p:cNvPicPr>
-            <a:picLocks noChangeAspect="1" noChangeArrowheads="1"/>
-          </p:cNvPicPr>
-          <p:nvPr/>
-        </p:nvPicPr>
-        <p:blipFill rotWithShape="1">
-          <a:blip r:embed="rId3">
-            <a:extLst>
-              <a:ext uri="{28A0092B-C50C-407E-A947-70E740481C1C}">
-                <a14:useLocalDpi xmlns:a14="http://schemas.microsoft.com/office/drawing/2010/main" val="0"/>
-              </a:ext>
-            </a:extLst>
-          </a:blip>
-          <a:srcRect l="64979" t="93135" r="23733" b="353"/>
-          <a:stretch/>
-        </p:blipFill>
-        <p:spPr bwMode="auto">
-          <a:xfrm>
-            <a:off x="4580021" y="5821917"/>
-            <a:ext cx="625641" cy="449800"/>
-          </a:xfrm>
-          <a:prstGeom prst="rect">
-            <a:avLst/>
-          </a:prstGeom>
-          <a:noFill/>
-          <a:extLst>
-            <a:ext uri="{909E8E84-426E-40DD-AFC4-6F175D3DCCD1}">
-              <a14:hiddenFill xmlns:a14="http://schemas.microsoft.com/office/drawing/2010/main">
-                <a:solidFill>
-                  <a:srgbClr val="FFFFFF"/>
-                </a:solidFill>
-              </a14:hiddenFill>
-            </a:ext>
-          </a:extLst>
-        </p:spPr>
-      </p:pic>
-      <p:sp>
-        <p:nvSpPr>
-          <p:cNvPr id="9" name="TextBox 8"/>
-          <p:cNvSpPr txBox="1"/>
-          <p:nvPr/>
-        </p:nvSpPr>
-        <p:spPr>
-          <a:xfrm>
-            <a:off x="396209" y="307778"/>
-            <a:ext cx="1371600" cy="307777"/>
-          </a:xfrm>
-          <a:prstGeom prst="rect">
-            <a:avLst/>
-          </a:prstGeom>
-          <a:solidFill>
-            <a:schemeClr val="tx2">
-              <a:lumMod val="60000"/>
-              <a:lumOff val="40000"/>
-            </a:schemeClr>
-          </a:solidFill>
-        </p:spPr>
-        <p:txBody>
-          <a:bodyPr wrap="square" rtlCol="0">
-            <a:spAutoFit/>
-          </a:bodyPr>
-          <a:lstStyle/>
-          <a:p>
-            <a:r>
-              <a:rPr lang="en-US" dirty="0" smtClean="0"/>
-              <a:t>My_malloc():</a:t>
-            </a:r>
-            <a:endParaRPr lang="en-US" dirty="0"/>
-          </a:p>
-        </p:txBody>
-      </p:sp>
-    </p:spTree>
-    <p:extLst>
-      <p:ext uri="{BB962C8B-B14F-4D97-AF65-F5344CB8AC3E}">
-        <p14:creationId xmlns:p14="http://schemas.microsoft.com/office/powerpoint/2010/main" val="2849634372"/>
-      </p:ext>
-    </p:extLst>
-  </p:cSld>
-  <p:clrMapOvr>
-    <a:masterClrMapping/>
-  </p:clrMapOvr>
-  <mc:AlternateContent xmlns:mc="http://schemas.openxmlformats.org/markup-compatibility/2006" xmlns:p14="http://schemas.microsoft.com/office/powerpoint/2010/main">
-    <mc:Choice Requires="p14">
-      <p:transition spd="slow">
-        <p14:reveal/>
-      </p:transition>
-    </mc:Choice>
-    <mc:Fallback xmlns="">
-      <p:transition spd="slow">
-        <p:fade/>
-      </p:transition>
-    </mc:Fallback>
-  </mc:AlternateContent>
-  <p:timing>
-    <p:tnLst>
-      <p:par>
-        <p:cTn id="1" dur="indefinite" restart="never" nodeType="tmRoot"/>
-      </p:par>
-    </p:tnLst>
-  </p:timing>
-</p:sld>
-</file>
-
-<file path=ppt/slides/slide2.xml><?xml version="1.0" encoding="utf-8"?>
-<p:sld xmlns:a="http://schemas.openxmlformats.org/drawingml/2006/main" xmlns:r="http://schemas.openxmlformats.org/officeDocument/2006/relationships" xmlns:p="http://schemas.openxmlformats.org/presentationml/2006/main">
-  <p:cSld>
-    <p:spTree>
-      <p:nvGrpSpPr>
-        <p:cNvPr id="1" name="Shape 140"/>
-        <p:cNvGrpSpPr/>
-        <p:nvPr/>
-      </p:nvGrpSpPr>
-      <p:grpSpPr>
-        <a:xfrm>
-          <a:off x="0" y="0"/>
-          <a:ext cx="0" cy="0"/>
-          <a:chOff x="0" y="0"/>
-          <a:chExt cx="0" cy="0"/>
-        </a:xfrm>
-      </p:grpSpPr>
-      <p:sp>
-        <p:nvSpPr>
-          <p:cNvPr id="141" name="Google Shape;141;p4"/>
-          <p:cNvSpPr/>
-          <p:nvPr/>
-        </p:nvSpPr>
-        <p:spPr>
-          <a:xfrm>
-            <a:off x="-1" y="31130"/>
-            <a:ext cx="12192000" cy="6858000"/>
-          </a:xfrm>
-          <a:prstGeom prst="rect">
-            <a:avLst/>
-          </a:prstGeom>
-          <a:solidFill>
-            <a:schemeClr val="lt1"/>
-          </a:solidFill>
-          <a:ln>
-            <a:noFill/>
-          </a:ln>
-        </p:spPr>
-        <p:txBody>
-          <a:bodyPr spcFirstLastPara="1" wrap="square" lIns="91425" tIns="45700" rIns="91425" bIns="45700" anchor="ctr" anchorCtr="0">
-            <a:noAutofit/>
-          </a:bodyPr>
-          <a:lstStyle/>
-          <a:p>
-            <a:pPr marL="0" marR="0" lvl="0" indent="0" algn="ctr" rtl="0">
-              <a:spcBef>
-                <a:spcPts val="0"/>
-              </a:spcBef>
-              <a:spcAft>
-                <a:spcPts val="0"/>
-              </a:spcAft>
-              <a:buNone/>
-            </a:pPr>
-            <a:endParaRPr sz="1800" b="0" i="0" u="none" strike="noStrike" cap="none" dirty="0">
-              <a:solidFill>
-                <a:schemeClr val="lt1"/>
-              </a:solidFill>
-              <a:latin typeface="Open Sans Light"/>
-              <a:ea typeface="Open Sans Light"/>
-              <a:cs typeface="Open Sans Light"/>
-              <a:sym typeface="Open Sans Light"/>
-            </a:endParaRPr>
-          </a:p>
-        </p:txBody>
-      </p:sp>
-      <p:sp>
-        <p:nvSpPr>
-          <p:cNvPr id="142" name="Google Shape;142;p4"/>
+          <p:cNvPr id="5" name="Google Shape;142;p4"/>
           <p:cNvSpPr/>
           <p:nvPr/>
         </p:nvSpPr>
@@ -4783,226 +4404,45 @@
           </a:p>
         </p:txBody>
       </p:sp>
-      <p:sp>
-        <p:nvSpPr>
-          <p:cNvPr id="143" name="Google Shape;143;p4"/>
-          <p:cNvSpPr txBox="1">
-            <a:spLocks noGrp="1"/>
-          </p:cNvSpPr>
-          <p:nvPr>
-            <p:ph type="title"/>
-          </p:nvPr>
-        </p:nvSpPr>
-        <p:spPr>
-          <a:xfrm>
-            <a:off x="172997" y="276562"/>
-            <a:ext cx="11931020" cy="6407043"/>
-          </a:xfrm>
-          <a:prstGeom prst="rect">
-            <a:avLst/>
-          </a:prstGeom>
-          <a:noFill/>
-          <a:ln>
-            <a:noFill/>
-          </a:ln>
-        </p:spPr>
-        <p:txBody>
-          <a:bodyPr spcFirstLastPara="1" wrap="square" lIns="91425" tIns="45700" rIns="91425" bIns="45700" anchor="t" anchorCtr="0">
-            <a:normAutofit/>
-          </a:bodyPr>
-          <a:lstStyle/>
-          <a:p>
-            <a:pPr>
-              <a:buSzPts val="2800"/>
-            </a:pPr>
-            <a:r>
-              <a:rPr lang="en-GB" dirty="0" smtClean="0">
-                <a:solidFill>
-                  <a:schemeClr val="dk1"/>
-                </a:solidFill>
-                <a:latin typeface="Open Sans Light"/>
-                <a:ea typeface="Open Sans Light"/>
-                <a:cs typeface="Open Sans Light"/>
-                <a:sym typeface="Open Sans Light"/>
-              </a:rPr>
-              <a:t> </a:t>
-            </a:r>
-            <a:r>
-              <a:rPr lang="en-GB" dirty="0">
-                <a:solidFill>
-                  <a:schemeClr val="dk1"/>
-                </a:solidFill>
-                <a:latin typeface="Open Sans Light"/>
-                <a:ea typeface="Open Sans Light"/>
-                <a:cs typeface="Open Sans Light"/>
-                <a:sym typeface="Open Sans Light"/>
-              </a:rPr>
-              <a:t/>
-            </a:r>
-            <a:br>
-              <a:rPr lang="en-GB" dirty="0">
-                <a:solidFill>
-                  <a:schemeClr val="dk1"/>
-                </a:solidFill>
-                <a:latin typeface="Open Sans Light"/>
-                <a:ea typeface="Open Sans Light"/>
-                <a:cs typeface="Open Sans Light"/>
-                <a:sym typeface="Open Sans Light"/>
-              </a:rPr>
-            </a:br>
-            <a:r>
-              <a:rPr lang="en-GB" dirty="0">
-                <a:solidFill>
-                  <a:schemeClr val="dk1"/>
-                </a:solidFill>
-                <a:latin typeface="Open Sans Light"/>
-                <a:ea typeface="Open Sans Light"/>
-                <a:cs typeface="Open Sans Light"/>
-                <a:sym typeface="Open Sans Light"/>
-              </a:rPr>
-              <a:t/>
-            </a:r>
-            <a:br>
-              <a:rPr lang="en-GB" dirty="0">
-                <a:solidFill>
-                  <a:schemeClr val="dk1"/>
-                </a:solidFill>
-                <a:latin typeface="Open Sans Light"/>
-                <a:ea typeface="Open Sans Light"/>
-                <a:cs typeface="Open Sans Light"/>
-                <a:sym typeface="Open Sans Light"/>
-              </a:rPr>
-            </a:br>
-            <a:r>
-              <a:rPr lang="en-GB" dirty="0">
-                <a:solidFill>
-                  <a:schemeClr val="dk1"/>
-                </a:solidFill>
-                <a:latin typeface="Open Sans Light"/>
-                <a:ea typeface="Open Sans Light"/>
-                <a:cs typeface="Open Sans Light"/>
-                <a:sym typeface="Open Sans Light"/>
-              </a:rPr>
-              <a:t> </a:t>
-            </a:r>
-            <a:r>
-              <a:rPr lang="en-GB" i="0" dirty="0">
-                <a:latin typeface="Arial" panose="020B0604020202020204" pitchFamily="34" charset="0"/>
-              </a:rPr>
-              <a:t/>
-            </a:r>
-            <a:br>
-              <a:rPr lang="en-GB" i="0" dirty="0">
-                <a:latin typeface="Arial" panose="020B0604020202020204" pitchFamily="34" charset="0"/>
-              </a:rPr>
-            </a:br>
-            <a:r>
-              <a:rPr lang="ar-EG" dirty="0">
-                <a:cs typeface="Calibri" panose="020F0502020204030204" pitchFamily="34" charset="0"/>
-              </a:rPr>
-              <a:t/>
-            </a:r>
-            <a:br>
-              <a:rPr lang="ar-EG" dirty="0">
-                <a:cs typeface="Calibri" panose="020F0502020204030204" pitchFamily="34" charset="0"/>
-              </a:rPr>
-            </a:br>
-            <a:r>
-              <a:rPr lang="ar-EG" dirty="0">
-                <a:cs typeface="Calibri" panose="020F0502020204030204" pitchFamily="34" charset="0"/>
-              </a:rPr>
-              <a:t/>
-            </a:r>
-            <a:br>
-              <a:rPr lang="ar-EG" dirty="0">
-                <a:cs typeface="Calibri" panose="020F0502020204030204" pitchFamily="34" charset="0"/>
-              </a:rPr>
-            </a:br>
-            <a:r>
-              <a:rPr lang="ar-EG" dirty="0">
-                <a:cs typeface="Calibri" panose="020F0502020204030204" pitchFamily="34" charset="0"/>
-              </a:rPr>
-              <a:t>               </a:t>
-            </a:r>
-            <a:br>
-              <a:rPr lang="ar-EG" dirty="0">
-                <a:cs typeface="Calibri" panose="020F0502020204030204" pitchFamily="34" charset="0"/>
-              </a:rPr>
-            </a:br>
-            <a:r>
-              <a:rPr lang="ar-EG" dirty="0">
-                <a:cs typeface="Calibri" panose="020F0502020204030204" pitchFamily="34" charset="0"/>
-              </a:rPr>
-              <a:t>             </a:t>
-            </a:r>
-            <a:br>
-              <a:rPr lang="ar-EG" dirty="0">
-                <a:cs typeface="Calibri" panose="020F0502020204030204" pitchFamily="34" charset="0"/>
-              </a:rPr>
-            </a:br>
-            <a:r>
-              <a:rPr lang="ar-EG" dirty="0">
-                <a:cs typeface="Calibri" panose="020F0502020204030204" pitchFamily="34" charset="0"/>
-              </a:rPr>
-              <a:t> </a:t>
-            </a:r>
-            <a:endParaRPr sz="3200" i="0" dirty="0">
-              <a:latin typeface="Calibri" panose="020F0502020204030204" pitchFamily="34" charset="0"/>
-              <a:cs typeface="Calibri" panose="020F0502020204030204" pitchFamily="34" charset="0"/>
-            </a:endParaRPr>
-          </a:p>
-        </p:txBody>
-      </p:sp>
       <p:pic>
         <p:nvPicPr>
-          <p:cNvPr id="6" name="Picture 2" descr="PlantUML diagram"/>
+          <p:cNvPr id="4" name="Picture 3"/>
           <p:cNvPicPr>
-            <a:picLocks noChangeAspect="1" noChangeArrowheads="1"/>
+            <a:picLocks noChangeAspect="1"/>
           </p:cNvPicPr>
           <p:nvPr/>
         </p:nvPicPr>
         <p:blipFill>
-          <a:blip r:embed="rId3">
+          <a:blip r:embed="rId2">
             <a:extLst>
               <a:ext uri="{28A0092B-C50C-407E-A947-70E740481C1C}">
                 <a14:useLocalDpi xmlns:a14="http://schemas.microsoft.com/office/drawing/2010/main" val="0"/>
               </a:ext>
             </a:extLst>
           </a:blip>
-          <a:srcRect/>
           <a:stretch>
             <a:fillRect/>
           </a:stretch>
         </p:blipFill>
-        <p:spPr bwMode="auto">
+        <p:spPr>
           <a:xfrm>
-            <a:off x="6649453" y="0"/>
-            <a:ext cx="5542547" cy="6907702"/>
+            <a:off x="1002633" y="31130"/>
+            <a:ext cx="10951242" cy="6858000"/>
           </a:xfrm>
           <a:prstGeom prst="rect">
             <a:avLst/>
           </a:prstGeom>
-          <a:noFill/>
-          <a:extLst>
-            <a:ext uri="{909E8E84-426E-40DD-AFC4-6F175D3DCCD1}">
-              <a14:hiddenFill xmlns:a14="http://schemas.microsoft.com/office/drawing/2010/main">
-                <a:solidFill>
-                  <a:srgbClr val="FFFFFF"/>
-                </a:solidFill>
-              </a14:hiddenFill>
-            </a:ext>
-          </a:extLst>
         </p:spPr>
       </p:pic>
       <p:sp>
         <p:nvSpPr>
-          <p:cNvPr id="7" name="TextBox 6"/>
+          <p:cNvPr id="6" name="TextBox 5"/>
           <p:cNvSpPr txBox="1"/>
           <p:nvPr/>
         </p:nvSpPr>
         <p:spPr>
           <a:xfrm>
-            <a:off x="200527" y="368970"/>
+            <a:off x="572671" y="35596"/>
             <a:ext cx="1371600" cy="307777"/>
           </a:xfrm>
           <a:prstGeom prst="rect">
@@ -5023,7 +4463,7 @@
           <a:p>
             <a:r>
               <a:rPr lang="en-US" dirty="0" smtClean="0"/>
-              <a:t>My_free():</a:t>
+              <a:t>My_malloc():</a:t>
             </a:r>
             <a:endParaRPr lang="en-US" dirty="0"/>
           </a:p>
@@ -5032,7 +4472,7 @@
     </p:spTree>
     <p:extLst>
       <p:ext uri="{BB962C8B-B14F-4D97-AF65-F5344CB8AC3E}">
-        <p14:creationId xmlns:p14="http://schemas.microsoft.com/office/powerpoint/2010/main" val="1966542380"/>
+        <p14:creationId xmlns:p14="http://schemas.microsoft.com/office/powerpoint/2010/main" val="3665753289"/>
       </p:ext>
     </p:extLst>
   </p:cSld>
@@ -5054,139 +4494,19 @@
   <p:timing>
     <p:tnLst>
       <p:par>
-        <p:cTn id="1" dur="indefinite" restart="never" nodeType="tmRoot">
-          <p:childTnLst>
-            <p:seq concurrent="1" nextAc="seek">
-              <p:cTn id="2" dur="indefinite" nodeType="mainSeq">
-                <p:childTnLst>
-                  <p:par>
-                    <p:cTn id="3" fill="hold">
-                      <p:stCondLst>
-                        <p:cond delay="indefinite"/>
-                        <p:cond evt="onBegin" delay="0">
-                          <p:tn val="2"/>
-                        </p:cond>
-                      </p:stCondLst>
-                      <p:childTnLst>
-                        <p:par>
-                          <p:cTn id="4" fill="hold">
-                            <p:stCondLst>
-                              <p:cond delay="0"/>
-                            </p:stCondLst>
-                            <p:childTnLst>
-                              <p:par>
-                                <p:cTn id="5" presetID="2" presetClass="entr" presetSubtype="4" fill="hold" grpId="0" nodeType="withEffect">
-                                  <p:stCondLst>
-                                    <p:cond delay="0"/>
-                                  </p:stCondLst>
-                                  <p:childTnLst>
-                                    <p:set>
-                                      <p:cBhvr>
-                                        <p:cTn id="6" dur="1" fill="hold">
-                                          <p:stCondLst>
-                                            <p:cond delay="0"/>
-                                          </p:stCondLst>
-                                        </p:cTn>
-                                        <p:tgtEl>
-                                          <p:spTgt spid="143"/>
-                                        </p:tgtEl>
-                                        <p:attrNameLst>
-                                          <p:attrName>style.visibility</p:attrName>
-                                        </p:attrNameLst>
-                                      </p:cBhvr>
-                                      <p:to>
-                                        <p:strVal val="visible"/>
-                                      </p:to>
-                                    </p:set>
-                                    <p:anim calcmode="lin" valueType="num">
-                                      <p:cBhvr additive="base">
-                                        <p:cTn id="7" dur="500" fill="hold"/>
-                                        <p:tgtEl>
-                                          <p:spTgt spid="143"/>
-                                        </p:tgtEl>
-                                        <p:attrNameLst>
-                                          <p:attrName>ppt_x</p:attrName>
-                                        </p:attrNameLst>
-                                      </p:cBhvr>
-                                      <p:tavLst>
-                                        <p:tav tm="0">
-                                          <p:val>
-                                            <p:strVal val="#ppt_x"/>
-                                          </p:val>
-                                        </p:tav>
-                                        <p:tav tm="100000">
-                                          <p:val>
-                                            <p:strVal val="#ppt_x"/>
-                                          </p:val>
-                                        </p:tav>
-                                      </p:tavLst>
-                                    </p:anim>
-                                    <p:anim calcmode="lin" valueType="num">
-                                      <p:cBhvr additive="base">
-                                        <p:cTn id="8" dur="500" fill="hold"/>
-                                        <p:tgtEl>
-                                          <p:spTgt spid="143"/>
-                                        </p:tgtEl>
-                                        <p:attrNameLst>
-                                          <p:attrName>ppt_y</p:attrName>
-                                        </p:attrNameLst>
-                                      </p:cBhvr>
-                                      <p:tavLst>
-                                        <p:tav tm="0">
-                                          <p:val>
-                                            <p:strVal val="1+#ppt_h/2"/>
-                                          </p:val>
-                                        </p:tav>
-                                        <p:tav tm="100000">
-                                          <p:val>
-                                            <p:strVal val="#ppt_y"/>
-                                          </p:val>
-                                        </p:tav>
-                                      </p:tavLst>
-                                    </p:anim>
-                                  </p:childTnLst>
-                                </p:cTn>
-                              </p:par>
-                            </p:childTnLst>
-                          </p:cTn>
-                        </p:par>
-                      </p:childTnLst>
-                    </p:cTn>
-                  </p:par>
-                </p:childTnLst>
-              </p:cTn>
-              <p:prevCondLst>
-                <p:cond evt="onPrev" delay="0">
-                  <p:tgtEl>
-                    <p:sldTgt/>
-                  </p:tgtEl>
-                </p:cond>
-              </p:prevCondLst>
-              <p:nextCondLst>
-                <p:cond evt="onNext" delay="0">
-                  <p:tgtEl>
-                    <p:sldTgt/>
-                  </p:tgtEl>
-                </p:cond>
-              </p:nextCondLst>
-            </p:seq>
-          </p:childTnLst>
-        </p:cTn>
+        <p:cTn id="1" dur="indefinite" restart="never" nodeType="tmRoot"/>
       </p:par>
     </p:tnLst>
-    <p:bldLst>
-      <p:bldP spid="143" grpId="0"/>
-    </p:bldLst>
   </p:timing>
 </p:sld>
 </file>
 
-<file path=ppt/slides/slide3.xml><?xml version="1.0" encoding="utf-8"?>
+<file path=ppt/slides/slide2.xml><?xml version="1.0" encoding="utf-8"?>
 <p:sld xmlns:a="http://schemas.openxmlformats.org/drawingml/2006/main" xmlns:r="http://schemas.openxmlformats.org/officeDocument/2006/relationships" xmlns:p="http://schemas.openxmlformats.org/presentationml/2006/main">
   <p:cSld>
     <p:spTree>
       <p:nvGrpSpPr>
-        <p:cNvPr id="1" name="Shape 140"/>
+        <p:cNvPr id="1" name=""/>
         <p:cNvGrpSpPr/>
         <p:nvPr/>
       </p:nvGrpSpPr>
@@ -5200,55 +4520,7 @@
       </p:grpSpPr>
       <p:sp>
         <p:nvSpPr>
-          <p:cNvPr id="141" name="Google Shape;141;p4"/>
-          <p:cNvSpPr/>
-          <p:nvPr/>
-        </p:nvSpPr>
-        <p:spPr>
-          <a:xfrm>
-            <a:off x="-1" y="31130"/>
-            <a:ext cx="12192000" cy="6858000"/>
-          </a:xfrm>
-          <a:prstGeom prst="rect">
-            <a:avLst/>
-          </a:prstGeom>
-          <a:solidFill>
-            <a:schemeClr val="lt1"/>
-          </a:solidFill>
-          <a:ln>
-            <a:noFill/>
-          </a:ln>
-        </p:spPr>
-        <p:txBody>
-          <a:bodyPr spcFirstLastPara="1" wrap="square" lIns="91425" tIns="45700" rIns="91425" bIns="45700" anchor="ctr" anchorCtr="0">
-            <a:noAutofit/>
-          </a:bodyPr>
-          <a:lstStyle/>
-          <a:p>
-            <a:pPr marL="0" marR="0" lvl="0" indent="0" algn="ctr" rtl="0">
-              <a:spcBef>
-                <a:spcPts val="0"/>
-              </a:spcBef>
-              <a:spcAft>
-                <a:spcPts val="0"/>
-              </a:spcAft>
-              <a:buNone/>
-            </a:pPr>
-            <a:endParaRPr sz="1800" b="0" i="0" u="none" strike="noStrike" cap="none" dirty="0">
-              <a:solidFill>
-                <a:schemeClr val="lt1"/>
-              </a:solidFill>
-              <a:latin typeface="Open Sans Light"/>
-              <a:ea typeface="Open Sans Light"/>
-              <a:cs typeface="Open Sans Light"/>
-              <a:sym typeface="Open Sans Light"/>
-            </a:endParaRPr>
-          </a:p>
-        </p:txBody>
-      </p:sp>
-      <p:sp>
-        <p:nvSpPr>
-          <p:cNvPr id="142" name="Google Shape;142;p4"/>
+          <p:cNvPr id="6" name="Google Shape;142;p4"/>
           <p:cNvSpPr/>
           <p:nvPr/>
         </p:nvSpPr>
@@ -5320,224 +4592,13 @@
       </p:sp>
       <p:sp>
         <p:nvSpPr>
-          <p:cNvPr id="143" name="Google Shape;143;p4"/>
-          <p:cNvSpPr txBox="1">
-            <a:spLocks noGrp="1"/>
-          </p:cNvSpPr>
-          <p:nvPr>
-            <p:ph type="title"/>
-          </p:nvPr>
+          <p:cNvPr id="5" name="TextBox 4"/>
+          <p:cNvSpPr txBox="1"/>
+          <p:nvPr/>
         </p:nvSpPr>
         <p:spPr>
           <a:xfrm>
-            <a:off x="172997" y="276562"/>
-            <a:ext cx="11931020" cy="6407043"/>
-          </a:xfrm>
-          <a:prstGeom prst="rect">
-            <a:avLst/>
-          </a:prstGeom>
-          <a:noFill/>
-          <a:ln>
-            <a:noFill/>
-          </a:ln>
-        </p:spPr>
-        <p:txBody>
-          <a:bodyPr spcFirstLastPara="1" wrap="square" lIns="91425" tIns="45700" rIns="91425" bIns="45700" anchor="t" anchorCtr="0">
-            <a:normAutofit/>
-          </a:bodyPr>
-          <a:lstStyle/>
-          <a:p>
-            <a:pPr>
-              <a:buSzPts val="2800"/>
-            </a:pPr>
-            <a:r>
-              <a:rPr lang="en-GB" dirty="0" smtClean="0">
-                <a:solidFill>
-                  <a:schemeClr val="dk1"/>
-                </a:solidFill>
-                <a:latin typeface="Open Sans Light"/>
-                <a:ea typeface="Open Sans Light"/>
-                <a:cs typeface="Open Sans Light"/>
-                <a:sym typeface="Open Sans Light"/>
-              </a:rPr>
-              <a:t> </a:t>
-            </a:r>
-            <a:r>
-              <a:rPr lang="en-GB" dirty="0">
-                <a:solidFill>
-                  <a:schemeClr val="dk1"/>
-                </a:solidFill>
-                <a:latin typeface="Open Sans Light"/>
-                <a:ea typeface="Open Sans Light"/>
-                <a:cs typeface="Open Sans Light"/>
-                <a:sym typeface="Open Sans Light"/>
-              </a:rPr>
-              <a:t/>
-            </a:r>
-            <a:br>
-              <a:rPr lang="en-GB" dirty="0">
-                <a:solidFill>
-                  <a:schemeClr val="dk1"/>
-                </a:solidFill>
-                <a:latin typeface="Open Sans Light"/>
-                <a:ea typeface="Open Sans Light"/>
-                <a:cs typeface="Open Sans Light"/>
-                <a:sym typeface="Open Sans Light"/>
-              </a:rPr>
-            </a:br>
-            <a:r>
-              <a:rPr lang="en-GB" dirty="0">
-                <a:solidFill>
-                  <a:schemeClr val="dk1"/>
-                </a:solidFill>
-                <a:latin typeface="Open Sans Light"/>
-                <a:ea typeface="Open Sans Light"/>
-                <a:cs typeface="Open Sans Light"/>
-                <a:sym typeface="Open Sans Light"/>
-              </a:rPr>
-              <a:t/>
-            </a:r>
-            <a:br>
-              <a:rPr lang="en-GB" dirty="0">
-                <a:solidFill>
-                  <a:schemeClr val="dk1"/>
-                </a:solidFill>
-                <a:latin typeface="Open Sans Light"/>
-                <a:ea typeface="Open Sans Light"/>
-                <a:cs typeface="Open Sans Light"/>
-                <a:sym typeface="Open Sans Light"/>
-              </a:rPr>
-            </a:br>
-            <a:r>
-              <a:rPr lang="en-GB" dirty="0">
-                <a:solidFill>
-                  <a:schemeClr val="dk1"/>
-                </a:solidFill>
-                <a:latin typeface="Open Sans Light"/>
-                <a:ea typeface="Open Sans Light"/>
-                <a:cs typeface="Open Sans Light"/>
-                <a:sym typeface="Open Sans Light"/>
-              </a:rPr>
-              <a:t> </a:t>
-            </a:r>
-            <a:r>
-              <a:rPr lang="en-GB" i="0" dirty="0">
-                <a:latin typeface="Arial" panose="020B0604020202020204" pitchFamily="34" charset="0"/>
-              </a:rPr>
-              <a:t/>
-            </a:r>
-            <a:br>
-              <a:rPr lang="en-GB" i="0" dirty="0">
-                <a:latin typeface="Arial" panose="020B0604020202020204" pitchFamily="34" charset="0"/>
-              </a:rPr>
-            </a:br>
-            <a:r>
-              <a:rPr lang="ar-EG" dirty="0">
-                <a:cs typeface="Calibri" panose="020F0502020204030204" pitchFamily="34" charset="0"/>
-              </a:rPr>
-              <a:t/>
-            </a:r>
-            <a:br>
-              <a:rPr lang="ar-EG" dirty="0">
-                <a:cs typeface="Calibri" panose="020F0502020204030204" pitchFamily="34" charset="0"/>
-              </a:rPr>
-            </a:br>
-            <a:r>
-              <a:rPr lang="ar-EG" dirty="0">
-                <a:cs typeface="Calibri" panose="020F0502020204030204" pitchFamily="34" charset="0"/>
-              </a:rPr>
-              <a:t/>
-            </a:r>
-            <a:br>
-              <a:rPr lang="ar-EG" dirty="0">
-                <a:cs typeface="Calibri" panose="020F0502020204030204" pitchFamily="34" charset="0"/>
-              </a:rPr>
-            </a:br>
-            <a:r>
-              <a:rPr lang="ar-EG" dirty="0">
-                <a:cs typeface="Calibri" panose="020F0502020204030204" pitchFamily="34" charset="0"/>
-              </a:rPr>
-              <a:t>               </a:t>
-            </a:r>
-            <a:br>
-              <a:rPr lang="ar-EG" dirty="0">
-                <a:cs typeface="Calibri" panose="020F0502020204030204" pitchFamily="34" charset="0"/>
-              </a:rPr>
-            </a:br>
-            <a:r>
-              <a:rPr lang="ar-EG" dirty="0">
-                <a:cs typeface="Calibri" panose="020F0502020204030204" pitchFamily="34" charset="0"/>
-              </a:rPr>
-              <a:t>             </a:t>
-            </a:r>
-            <a:br>
-              <a:rPr lang="ar-EG" dirty="0">
-                <a:cs typeface="Calibri" panose="020F0502020204030204" pitchFamily="34" charset="0"/>
-              </a:rPr>
-            </a:br>
-            <a:r>
-              <a:rPr lang="ar-EG" dirty="0">
-                <a:cs typeface="Calibri" panose="020F0502020204030204" pitchFamily="34" charset="0"/>
-              </a:rPr>
-              <a:t> </a:t>
-            </a:r>
-            <a:endParaRPr sz="3200" i="0" dirty="0">
-              <a:latin typeface="Calibri" panose="020F0502020204030204" pitchFamily="34" charset="0"/>
-              <a:cs typeface="Calibri" panose="020F0502020204030204" pitchFamily="34" charset="0"/>
-            </a:endParaRPr>
-          </a:p>
-        </p:txBody>
-      </p:sp>
-      <p:pic>
-        <p:nvPicPr>
-          <p:cNvPr id="5" name="Picture 2" descr="PlantUML diagram"/>
-          <p:cNvPicPr>
-            <a:picLocks noChangeAspect="1" noChangeArrowheads="1"/>
-          </p:cNvPicPr>
-          <p:nvPr/>
-        </p:nvPicPr>
-        <p:blipFill>
-          <a:blip r:embed="rId3">
-            <a:extLst>
-              <a:ext uri="{28A0092B-C50C-407E-A947-70E740481C1C}">
-                <a14:useLocalDpi xmlns:a14="http://schemas.microsoft.com/office/drawing/2010/main" val="0"/>
-              </a:ext>
-            </a:extLst>
-          </a:blip>
-          <a:srcRect/>
-          <a:stretch>
-            <a:fillRect/>
-          </a:stretch>
-        </p:blipFill>
-        <p:spPr bwMode="auto">
-          <a:xfrm>
-            <a:off x="-2" y="1005482"/>
-            <a:ext cx="12192001" cy="4030482"/>
-          </a:xfrm>
-          <a:prstGeom prst="rect">
-            <a:avLst/>
-          </a:prstGeom>
-          <a:noFill/>
-          <a:extLst>
-            <a:ext uri="{909E8E84-426E-40DD-AFC4-6F175D3DCCD1}">
-              <a14:hiddenFill xmlns:a14="http://schemas.microsoft.com/office/drawing/2010/main">
-                <a:solidFill>
-                  <a:srgbClr val="FFFFFF"/>
-                </a:solidFill>
-              </a14:hiddenFill>
-            </a:ext>
-          </a:extLst>
-        </p:spPr>
-      </p:pic>
-      <p:sp>
-        <p:nvSpPr>
-          <p:cNvPr id="7" name="TextBox 6"/>
-          <p:cNvSpPr txBox="1"/>
-          <p:nvPr/>
-        </p:nvSpPr>
-        <p:spPr>
-          <a:xfrm>
-            <a:off x="1710991" y="621023"/>
+            <a:off x="529390" y="56149"/>
             <a:ext cx="1371600" cy="307777"/>
           </a:xfrm>
           <a:prstGeom prst="rect">
@@ -5558,16 +4619,46 @@
           <a:p>
             <a:r>
               <a:rPr lang="en-US" dirty="0" smtClean="0"/>
-              <a:t>My_realloc():</a:t>
+              <a:t>My_free():</a:t>
             </a:r>
             <a:endParaRPr lang="en-US" dirty="0"/>
           </a:p>
         </p:txBody>
       </p:sp>
+      <p:pic>
+        <p:nvPicPr>
+          <p:cNvPr id="4" name="Picture 3"/>
+          <p:cNvPicPr>
+            <a:picLocks noChangeAspect="1"/>
+          </p:cNvPicPr>
+          <p:nvPr/>
+        </p:nvPicPr>
+        <p:blipFill>
+          <a:blip r:embed="rId3">
+            <a:extLst>
+              <a:ext uri="{28A0092B-C50C-407E-A947-70E740481C1C}">
+                <a14:useLocalDpi xmlns:a14="http://schemas.microsoft.com/office/drawing/2010/main" val="0"/>
+              </a:ext>
+            </a:extLst>
+          </a:blip>
+          <a:stretch>
+            <a:fillRect/>
+          </a:stretch>
+        </p:blipFill>
+        <p:spPr>
+          <a:xfrm>
+            <a:off x="2828622" y="31130"/>
+            <a:ext cx="8134955" cy="6858000"/>
+          </a:xfrm>
+          <a:prstGeom prst="rect">
+            <a:avLst/>
+          </a:prstGeom>
+        </p:spPr>
+      </p:pic>
     </p:spTree>
     <p:extLst>
       <p:ext uri="{BB962C8B-B14F-4D97-AF65-F5344CB8AC3E}">
-        <p14:creationId xmlns:p14="http://schemas.microsoft.com/office/powerpoint/2010/main" val="480035942"/>
+        <p14:creationId xmlns:p14="http://schemas.microsoft.com/office/powerpoint/2010/main" val="2006447561"/>
       </p:ext>
     </p:extLst>
   </p:cSld>
@@ -5589,139 +4680,19 @@
   <p:timing>
     <p:tnLst>
       <p:par>
-        <p:cTn id="1" dur="indefinite" restart="never" nodeType="tmRoot">
-          <p:childTnLst>
-            <p:seq concurrent="1" nextAc="seek">
-              <p:cTn id="2" dur="indefinite" nodeType="mainSeq">
-                <p:childTnLst>
-                  <p:par>
-                    <p:cTn id="3" fill="hold">
-                      <p:stCondLst>
-                        <p:cond delay="indefinite"/>
-                        <p:cond evt="onBegin" delay="0">
-                          <p:tn val="2"/>
-                        </p:cond>
-                      </p:stCondLst>
-                      <p:childTnLst>
-                        <p:par>
-                          <p:cTn id="4" fill="hold">
-                            <p:stCondLst>
-                              <p:cond delay="0"/>
-                            </p:stCondLst>
-                            <p:childTnLst>
-                              <p:par>
-                                <p:cTn id="5" presetID="2" presetClass="entr" presetSubtype="4" fill="hold" grpId="0" nodeType="withEffect">
-                                  <p:stCondLst>
-                                    <p:cond delay="0"/>
-                                  </p:stCondLst>
-                                  <p:childTnLst>
-                                    <p:set>
-                                      <p:cBhvr>
-                                        <p:cTn id="6" dur="1" fill="hold">
-                                          <p:stCondLst>
-                                            <p:cond delay="0"/>
-                                          </p:stCondLst>
-                                        </p:cTn>
-                                        <p:tgtEl>
-                                          <p:spTgt spid="143"/>
-                                        </p:tgtEl>
-                                        <p:attrNameLst>
-                                          <p:attrName>style.visibility</p:attrName>
-                                        </p:attrNameLst>
-                                      </p:cBhvr>
-                                      <p:to>
-                                        <p:strVal val="visible"/>
-                                      </p:to>
-                                    </p:set>
-                                    <p:anim calcmode="lin" valueType="num">
-                                      <p:cBhvr additive="base">
-                                        <p:cTn id="7" dur="500" fill="hold"/>
-                                        <p:tgtEl>
-                                          <p:spTgt spid="143"/>
-                                        </p:tgtEl>
-                                        <p:attrNameLst>
-                                          <p:attrName>ppt_x</p:attrName>
-                                        </p:attrNameLst>
-                                      </p:cBhvr>
-                                      <p:tavLst>
-                                        <p:tav tm="0">
-                                          <p:val>
-                                            <p:strVal val="#ppt_x"/>
-                                          </p:val>
-                                        </p:tav>
-                                        <p:tav tm="100000">
-                                          <p:val>
-                                            <p:strVal val="#ppt_x"/>
-                                          </p:val>
-                                        </p:tav>
-                                      </p:tavLst>
-                                    </p:anim>
-                                    <p:anim calcmode="lin" valueType="num">
-                                      <p:cBhvr additive="base">
-                                        <p:cTn id="8" dur="500" fill="hold"/>
-                                        <p:tgtEl>
-                                          <p:spTgt spid="143"/>
-                                        </p:tgtEl>
-                                        <p:attrNameLst>
-                                          <p:attrName>ppt_y</p:attrName>
-                                        </p:attrNameLst>
-                                      </p:cBhvr>
-                                      <p:tavLst>
-                                        <p:tav tm="0">
-                                          <p:val>
-                                            <p:strVal val="1+#ppt_h/2"/>
-                                          </p:val>
-                                        </p:tav>
-                                        <p:tav tm="100000">
-                                          <p:val>
-                                            <p:strVal val="#ppt_y"/>
-                                          </p:val>
-                                        </p:tav>
-                                      </p:tavLst>
-                                    </p:anim>
-                                  </p:childTnLst>
-                                </p:cTn>
-                              </p:par>
-                            </p:childTnLst>
-                          </p:cTn>
-                        </p:par>
-                      </p:childTnLst>
-                    </p:cTn>
-                  </p:par>
-                </p:childTnLst>
-              </p:cTn>
-              <p:prevCondLst>
-                <p:cond evt="onPrev" delay="0">
-                  <p:tgtEl>
-                    <p:sldTgt/>
-                  </p:tgtEl>
-                </p:cond>
-              </p:prevCondLst>
-              <p:nextCondLst>
-                <p:cond evt="onNext" delay="0">
-                  <p:tgtEl>
-                    <p:sldTgt/>
-                  </p:tgtEl>
-                </p:cond>
-              </p:nextCondLst>
-            </p:seq>
-          </p:childTnLst>
-        </p:cTn>
+        <p:cTn id="1" dur="indefinite" restart="never" nodeType="tmRoot"/>
       </p:par>
     </p:tnLst>
-    <p:bldLst>
-      <p:bldP spid="143" grpId="0"/>
-    </p:bldLst>
   </p:timing>
 </p:sld>
 </file>
 
-<file path=ppt/slides/slide4.xml><?xml version="1.0" encoding="utf-8"?>
+<file path=ppt/slides/slide3.xml><?xml version="1.0" encoding="utf-8"?>
 <p:sld xmlns:a="http://schemas.openxmlformats.org/drawingml/2006/main" xmlns:r="http://schemas.openxmlformats.org/officeDocument/2006/relationships" xmlns:p="http://schemas.openxmlformats.org/presentationml/2006/main">
   <p:cSld>
     <p:spTree>
       <p:nvGrpSpPr>
-        <p:cNvPr id="1" name="Shape 140"/>
+        <p:cNvPr id="1" name=""/>
         <p:cNvGrpSpPr/>
         <p:nvPr/>
       </p:nvGrpSpPr>
@@ -5735,55 +4706,7 @@
       </p:grpSpPr>
       <p:sp>
         <p:nvSpPr>
-          <p:cNvPr id="141" name="Google Shape;141;p4"/>
-          <p:cNvSpPr/>
-          <p:nvPr/>
-        </p:nvSpPr>
-        <p:spPr>
-          <a:xfrm>
-            <a:off x="-1" y="31130"/>
-            <a:ext cx="12192000" cy="6858000"/>
-          </a:xfrm>
-          <a:prstGeom prst="rect">
-            <a:avLst/>
-          </a:prstGeom>
-          <a:solidFill>
-            <a:schemeClr val="lt1"/>
-          </a:solidFill>
-          <a:ln>
-            <a:noFill/>
-          </a:ln>
-        </p:spPr>
-        <p:txBody>
-          <a:bodyPr spcFirstLastPara="1" wrap="square" lIns="91425" tIns="45700" rIns="91425" bIns="45700" anchor="ctr" anchorCtr="0">
-            <a:noAutofit/>
-          </a:bodyPr>
-          <a:lstStyle/>
-          <a:p>
-            <a:pPr marL="0" marR="0" lvl="0" indent="0" algn="ctr" rtl="0">
-              <a:spcBef>
-                <a:spcPts val="0"/>
-              </a:spcBef>
-              <a:spcAft>
-                <a:spcPts val="0"/>
-              </a:spcAft>
-              <a:buNone/>
-            </a:pPr>
-            <a:endParaRPr sz="1800" b="0" i="0" u="none" strike="noStrike" cap="none" dirty="0">
-              <a:solidFill>
-                <a:schemeClr val="lt1"/>
-              </a:solidFill>
-              <a:latin typeface="Open Sans Light"/>
-              <a:ea typeface="Open Sans Light"/>
-              <a:cs typeface="Open Sans Light"/>
-              <a:sym typeface="Open Sans Light"/>
-            </a:endParaRPr>
-          </a:p>
-        </p:txBody>
-      </p:sp>
-      <p:sp>
-        <p:nvSpPr>
-          <p:cNvPr id="142" name="Google Shape;142;p4"/>
+          <p:cNvPr id="3" name="Google Shape;142;p4"/>
           <p:cNvSpPr/>
           <p:nvPr/>
         </p:nvSpPr>
@@ -5853,179 +4776,9 @@
           </a:p>
         </p:txBody>
       </p:sp>
-      <p:sp>
-        <p:nvSpPr>
-          <p:cNvPr id="143" name="Google Shape;143;p4"/>
-          <p:cNvSpPr txBox="1">
-            <a:spLocks noGrp="1"/>
-          </p:cNvSpPr>
-          <p:nvPr>
-            <p:ph type="title"/>
-          </p:nvPr>
-        </p:nvSpPr>
-        <p:spPr>
-          <a:xfrm>
-            <a:off x="172997" y="276562"/>
-            <a:ext cx="11931020" cy="6407043"/>
-          </a:xfrm>
-          <a:prstGeom prst="rect">
-            <a:avLst/>
-          </a:prstGeom>
-          <a:noFill/>
-          <a:ln>
-            <a:noFill/>
-          </a:ln>
-        </p:spPr>
-        <p:txBody>
-          <a:bodyPr spcFirstLastPara="1" wrap="square" lIns="91425" tIns="45700" rIns="91425" bIns="45700" anchor="t" anchorCtr="0">
-            <a:normAutofit/>
-          </a:bodyPr>
-          <a:lstStyle/>
-          <a:p>
-            <a:pPr>
-              <a:buSzPts val="2800"/>
-            </a:pPr>
-            <a:r>
-              <a:rPr lang="en-GB" dirty="0" smtClean="0">
-                <a:solidFill>
-                  <a:schemeClr val="dk1"/>
-                </a:solidFill>
-                <a:latin typeface="Open Sans Light"/>
-                <a:ea typeface="Open Sans Light"/>
-                <a:cs typeface="Open Sans Light"/>
-                <a:sym typeface="Open Sans Light"/>
-              </a:rPr>
-              <a:t> </a:t>
-            </a:r>
-            <a:r>
-              <a:rPr lang="en-GB" dirty="0">
-                <a:solidFill>
-                  <a:schemeClr val="dk1"/>
-                </a:solidFill>
-                <a:latin typeface="Open Sans Light"/>
-                <a:ea typeface="Open Sans Light"/>
-                <a:cs typeface="Open Sans Light"/>
-                <a:sym typeface="Open Sans Light"/>
-              </a:rPr>
-              <a:t/>
-            </a:r>
-            <a:br>
-              <a:rPr lang="en-GB" dirty="0">
-                <a:solidFill>
-                  <a:schemeClr val="dk1"/>
-                </a:solidFill>
-                <a:latin typeface="Open Sans Light"/>
-                <a:ea typeface="Open Sans Light"/>
-                <a:cs typeface="Open Sans Light"/>
-                <a:sym typeface="Open Sans Light"/>
-              </a:rPr>
-            </a:br>
-            <a:r>
-              <a:rPr lang="en-GB" dirty="0">
-                <a:solidFill>
-                  <a:schemeClr val="dk1"/>
-                </a:solidFill>
-                <a:latin typeface="Open Sans Light"/>
-                <a:ea typeface="Open Sans Light"/>
-                <a:cs typeface="Open Sans Light"/>
-                <a:sym typeface="Open Sans Light"/>
-              </a:rPr>
-              <a:t/>
-            </a:r>
-            <a:br>
-              <a:rPr lang="en-GB" dirty="0">
-                <a:solidFill>
-                  <a:schemeClr val="dk1"/>
-                </a:solidFill>
-                <a:latin typeface="Open Sans Light"/>
-                <a:ea typeface="Open Sans Light"/>
-                <a:cs typeface="Open Sans Light"/>
-                <a:sym typeface="Open Sans Light"/>
-              </a:rPr>
-            </a:br>
-            <a:r>
-              <a:rPr lang="en-GB" dirty="0">
-                <a:solidFill>
-                  <a:schemeClr val="dk1"/>
-                </a:solidFill>
-                <a:latin typeface="Open Sans Light"/>
-                <a:ea typeface="Open Sans Light"/>
-                <a:cs typeface="Open Sans Light"/>
-                <a:sym typeface="Open Sans Light"/>
-              </a:rPr>
-              <a:t> </a:t>
-            </a:r>
-            <a:r>
-              <a:rPr lang="en-GB" i="0" dirty="0">
-                <a:latin typeface="Arial" panose="020B0604020202020204" pitchFamily="34" charset="0"/>
-              </a:rPr>
-              <a:t/>
-            </a:r>
-            <a:br>
-              <a:rPr lang="en-GB" i="0" dirty="0">
-                <a:latin typeface="Arial" panose="020B0604020202020204" pitchFamily="34" charset="0"/>
-              </a:rPr>
-            </a:br>
-            <a:r>
-              <a:rPr lang="ar-EG" dirty="0">
-                <a:cs typeface="Calibri" panose="020F0502020204030204" pitchFamily="34" charset="0"/>
-              </a:rPr>
-              <a:t/>
-            </a:r>
-            <a:br>
-              <a:rPr lang="ar-EG" dirty="0">
-                <a:cs typeface="Calibri" panose="020F0502020204030204" pitchFamily="34" charset="0"/>
-              </a:rPr>
-            </a:br>
-            <a:r>
-              <a:rPr lang="ar-EG" dirty="0">
-                <a:cs typeface="Calibri" panose="020F0502020204030204" pitchFamily="34" charset="0"/>
-              </a:rPr>
-              <a:t/>
-            </a:r>
-            <a:br>
-              <a:rPr lang="ar-EG" dirty="0">
-                <a:cs typeface="Calibri" panose="020F0502020204030204" pitchFamily="34" charset="0"/>
-              </a:rPr>
-            </a:br>
-            <a:r>
-              <a:rPr lang="ar-EG" dirty="0">
-                <a:cs typeface="Calibri" panose="020F0502020204030204" pitchFamily="34" charset="0"/>
-              </a:rPr>
-              <a:t>               </a:t>
-            </a:r>
-            <a:br>
-              <a:rPr lang="ar-EG" dirty="0">
-                <a:cs typeface="Calibri" panose="020F0502020204030204" pitchFamily="34" charset="0"/>
-              </a:rPr>
-            </a:br>
-            <a:r>
-              <a:rPr lang="ar-EG" dirty="0">
-                <a:cs typeface="Calibri" panose="020F0502020204030204" pitchFamily="34" charset="0"/>
-              </a:rPr>
-              <a:t>             </a:t>
-            </a:r>
-            <a:br>
-              <a:rPr lang="ar-EG" dirty="0">
-                <a:cs typeface="Calibri" panose="020F0502020204030204" pitchFamily="34" charset="0"/>
-              </a:rPr>
-            </a:br>
-            <a:r>
-              <a:rPr lang="ar-EG" dirty="0">
-                <a:cs typeface="Calibri" panose="020F0502020204030204" pitchFamily="34" charset="0"/>
-              </a:rPr>
-              <a:t> </a:t>
-            </a:r>
-            <a:endParaRPr sz="3200" i="0" dirty="0">
-              <a:latin typeface="Calibri" panose="020F0502020204030204" pitchFamily="34" charset="0"/>
-              <a:cs typeface="Calibri" panose="020F0502020204030204" pitchFamily="34" charset="0"/>
-            </a:endParaRPr>
-          </a:p>
-        </p:txBody>
-      </p:sp>
       <p:pic>
         <p:nvPicPr>
-          <p:cNvPr id="9" name="Picture 8" descr="PlantUML diagram"/>
+          <p:cNvPr id="2050" name="Picture 2" descr="PlantUML diagram"/>
           <p:cNvPicPr>
             <a:picLocks noChangeAspect="1" noChangeArrowheads="1"/>
           </p:cNvPicPr>
@@ -6046,8 +4799,8 @@
         </p:blipFill>
         <p:spPr bwMode="auto">
           <a:xfrm>
-            <a:off x="5257923" y="486228"/>
-            <a:ext cx="6715125" cy="5715000"/>
+            <a:off x="0" y="-5978"/>
+            <a:ext cx="12192000" cy="6932218"/>
           </a:xfrm>
           <a:prstGeom prst="rect">
             <a:avLst/>
@@ -6066,13 +4819,13 @@
       </p:pic>
       <p:sp>
         <p:nvSpPr>
-          <p:cNvPr id="10" name="TextBox 9"/>
+          <p:cNvPr id="5" name="TextBox 4"/>
           <p:cNvSpPr txBox="1"/>
           <p:nvPr/>
         </p:nvSpPr>
         <p:spPr>
           <a:xfrm>
-            <a:off x="327860" y="315799"/>
+            <a:off x="395538" y="0"/>
             <a:ext cx="1371600" cy="307777"/>
           </a:xfrm>
           <a:prstGeom prst="rect">
@@ -6093,7 +4846,7 @@
           <a:p>
             <a:r>
               <a:rPr lang="en-US" dirty="0" smtClean="0"/>
-              <a:t>My_calloc():</a:t>
+              <a:t>My_realloc():</a:t>
             </a:r>
             <a:endParaRPr lang="en-US" dirty="0"/>
           </a:p>
@@ -6102,7 +4855,7 @@
     </p:spTree>
     <p:extLst>
       <p:ext uri="{BB962C8B-B14F-4D97-AF65-F5344CB8AC3E}">
-        <p14:creationId xmlns:p14="http://schemas.microsoft.com/office/powerpoint/2010/main" val="1962787091"/>
+        <p14:creationId xmlns:p14="http://schemas.microsoft.com/office/powerpoint/2010/main" val="3640665135"/>
       </p:ext>
     </p:extLst>
   </p:cSld>
@@ -6124,139 +4877,19 @@
   <p:timing>
     <p:tnLst>
       <p:par>
-        <p:cTn id="1" dur="indefinite" restart="never" nodeType="tmRoot">
-          <p:childTnLst>
-            <p:seq concurrent="1" nextAc="seek">
-              <p:cTn id="2" dur="indefinite" nodeType="mainSeq">
-                <p:childTnLst>
-                  <p:par>
-                    <p:cTn id="3" fill="hold">
-                      <p:stCondLst>
-                        <p:cond delay="indefinite"/>
-                        <p:cond evt="onBegin" delay="0">
-                          <p:tn val="2"/>
-                        </p:cond>
-                      </p:stCondLst>
-                      <p:childTnLst>
-                        <p:par>
-                          <p:cTn id="4" fill="hold">
-                            <p:stCondLst>
-                              <p:cond delay="0"/>
-                            </p:stCondLst>
-                            <p:childTnLst>
-                              <p:par>
-                                <p:cTn id="5" presetID="2" presetClass="entr" presetSubtype="4" fill="hold" grpId="0" nodeType="withEffect">
-                                  <p:stCondLst>
-                                    <p:cond delay="0"/>
-                                  </p:stCondLst>
-                                  <p:childTnLst>
-                                    <p:set>
-                                      <p:cBhvr>
-                                        <p:cTn id="6" dur="1" fill="hold">
-                                          <p:stCondLst>
-                                            <p:cond delay="0"/>
-                                          </p:stCondLst>
-                                        </p:cTn>
-                                        <p:tgtEl>
-                                          <p:spTgt spid="143"/>
-                                        </p:tgtEl>
-                                        <p:attrNameLst>
-                                          <p:attrName>style.visibility</p:attrName>
-                                        </p:attrNameLst>
-                                      </p:cBhvr>
-                                      <p:to>
-                                        <p:strVal val="visible"/>
-                                      </p:to>
-                                    </p:set>
-                                    <p:anim calcmode="lin" valueType="num">
-                                      <p:cBhvr additive="base">
-                                        <p:cTn id="7" dur="500" fill="hold"/>
-                                        <p:tgtEl>
-                                          <p:spTgt spid="143"/>
-                                        </p:tgtEl>
-                                        <p:attrNameLst>
-                                          <p:attrName>ppt_x</p:attrName>
-                                        </p:attrNameLst>
-                                      </p:cBhvr>
-                                      <p:tavLst>
-                                        <p:tav tm="0">
-                                          <p:val>
-                                            <p:strVal val="#ppt_x"/>
-                                          </p:val>
-                                        </p:tav>
-                                        <p:tav tm="100000">
-                                          <p:val>
-                                            <p:strVal val="#ppt_x"/>
-                                          </p:val>
-                                        </p:tav>
-                                      </p:tavLst>
-                                    </p:anim>
-                                    <p:anim calcmode="lin" valueType="num">
-                                      <p:cBhvr additive="base">
-                                        <p:cTn id="8" dur="500" fill="hold"/>
-                                        <p:tgtEl>
-                                          <p:spTgt spid="143"/>
-                                        </p:tgtEl>
-                                        <p:attrNameLst>
-                                          <p:attrName>ppt_y</p:attrName>
-                                        </p:attrNameLst>
-                                      </p:cBhvr>
-                                      <p:tavLst>
-                                        <p:tav tm="0">
-                                          <p:val>
-                                            <p:strVal val="1+#ppt_h/2"/>
-                                          </p:val>
-                                        </p:tav>
-                                        <p:tav tm="100000">
-                                          <p:val>
-                                            <p:strVal val="#ppt_y"/>
-                                          </p:val>
-                                        </p:tav>
-                                      </p:tavLst>
-                                    </p:anim>
-                                  </p:childTnLst>
-                                </p:cTn>
-                              </p:par>
-                            </p:childTnLst>
-                          </p:cTn>
-                        </p:par>
-                      </p:childTnLst>
-                    </p:cTn>
-                  </p:par>
-                </p:childTnLst>
-              </p:cTn>
-              <p:prevCondLst>
-                <p:cond evt="onPrev" delay="0">
-                  <p:tgtEl>
-                    <p:sldTgt/>
-                  </p:tgtEl>
-                </p:cond>
-              </p:prevCondLst>
-              <p:nextCondLst>
-                <p:cond evt="onNext" delay="0">
-                  <p:tgtEl>
-                    <p:sldTgt/>
-                  </p:tgtEl>
-                </p:cond>
-              </p:nextCondLst>
-            </p:seq>
-          </p:childTnLst>
-        </p:cTn>
+        <p:cTn id="1" dur="indefinite" restart="never" nodeType="tmRoot"/>
       </p:par>
     </p:tnLst>
-    <p:bldLst>
-      <p:bldP spid="143" grpId="0"/>
-    </p:bldLst>
   </p:timing>
 </p:sld>
 </file>
 
-<file path=ppt/slides/slide5.xml><?xml version="1.0" encoding="utf-8"?>
+<file path=ppt/slides/slide4.xml><?xml version="1.0" encoding="utf-8"?>
 <p:sld xmlns:a="http://schemas.openxmlformats.org/drawingml/2006/main" xmlns:r="http://schemas.openxmlformats.org/officeDocument/2006/relationships" xmlns:p="http://schemas.openxmlformats.org/presentationml/2006/main">
   <p:cSld>
     <p:spTree>
       <p:nvGrpSpPr>
-        <p:cNvPr id="1" name="Shape 140"/>
+        <p:cNvPr id="1" name=""/>
         <p:cNvGrpSpPr/>
         <p:nvPr/>
       </p:nvGrpSpPr>
@@ -6270,55 +4903,7 @@
       </p:grpSpPr>
       <p:sp>
         <p:nvSpPr>
-          <p:cNvPr id="141" name="Google Shape;141;p4"/>
-          <p:cNvSpPr/>
-          <p:nvPr/>
-        </p:nvSpPr>
-        <p:spPr>
-          <a:xfrm>
-            <a:off x="-1" y="31130"/>
-            <a:ext cx="12192000" cy="6858000"/>
-          </a:xfrm>
-          <a:prstGeom prst="rect">
-            <a:avLst/>
-          </a:prstGeom>
-          <a:solidFill>
-            <a:schemeClr val="lt1"/>
-          </a:solidFill>
-          <a:ln>
-            <a:noFill/>
-          </a:ln>
-        </p:spPr>
-        <p:txBody>
-          <a:bodyPr spcFirstLastPara="1" wrap="square" lIns="91425" tIns="45700" rIns="91425" bIns="45700" anchor="ctr" anchorCtr="0">
-            <a:noAutofit/>
-          </a:bodyPr>
-          <a:lstStyle/>
-          <a:p>
-            <a:pPr marL="0" marR="0" lvl="0" indent="0" algn="ctr" rtl="0">
-              <a:spcBef>
-                <a:spcPts val="0"/>
-              </a:spcBef>
-              <a:spcAft>
-                <a:spcPts val="0"/>
-              </a:spcAft>
-              <a:buNone/>
-            </a:pPr>
-            <a:endParaRPr sz="1800" b="0" i="0" u="none" strike="noStrike" cap="none" dirty="0">
-              <a:solidFill>
-                <a:schemeClr val="lt1"/>
-              </a:solidFill>
-              <a:latin typeface="Open Sans Light"/>
-              <a:ea typeface="Open Sans Light"/>
-              <a:cs typeface="Open Sans Light"/>
-              <a:sym typeface="Open Sans Light"/>
-            </a:endParaRPr>
-          </a:p>
-        </p:txBody>
-      </p:sp>
-      <p:sp>
-        <p:nvSpPr>
-          <p:cNvPr id="142" name="Google Shape;142;p4"/>
+          <p:cNvPr id="3" name="Google Shape;142;p4"/>
           <p:cNvSpPr/>
           <p:nvPr/>
         </p:nvSpPr>
@@ -6390,183 +4975,48 @@
       </p:sp>
       <p:sp>
         <p:nvSpPr>
-          <p:cNvPr id="143" name="Google Shape;143;p4"/>
-          <p:cNvSpPr txBox="1">
-            <a:spLocks noGrp="1"/>
-          </p:cNvSpPr>
-          <p:nvPr>
-            <p:ph type="title"/>
-          </p:nvPr>
+          <p:cNvPr id="6" name="TextBox 5"/>
+          <p:cNvSpPr txBox="1"/>
+          <p:nvPr/>
         </p:nvSpPr>
         <p:spPr>
           <a:xfrm>
-            <a:off x="172997" y="276562"/>
-            <a:ext cx="11931020" cy="6407043"/>
+            <a:off x="327860" y="315799"/>
+            <a:ext cx="1371600" cy="307777"/>
           </a:xfrm>
           <a:prstGeom prst="rect">
             <a:avLst/>
           </a:prstGeom>
-          <a:noFill/>
-          <a:ln>
-            <a:noFill/>
-          </a:ln>
+          <a:solidFill>
+            <a:schemeClr val="tx2">
+              <a:lumMod val="60000"/>
+              <a:lumOff val="40000"/>
+            </a:schemeClr>
+          </a:solidFill>
         </p:spPr>
         <p:txBody>
-          <a:bodyPr spcFirstLastPara="1" wrap="square" lIns="91425" tIns="45700" rIns="91425" bIns="45700" anchor="t" anchorCtr="0">
-            <a:normAutofit/>
+          <a:bodyPr wrap="square" rtlCol="0">
+            <a:spAutoFit/>
           </a:bodyPr>
           <a:lstStyle/>
           <a:p>
-            <a:pPr>
-              <a:buSzPts val="2800"/>
-            </a:pPr>
-            <a:r>
-              <a:rPr lang="en-GB" dirty="0" smtClean="0">
-                <a:solidFill>
-                  <a:schemeClr val="dk1"/>
-                </a:solidFill>
-                <a:latin typeface="Open Sans Light"/>
-                <a:ea typeface="Open Sans Light"/>
-                <a:cs typeface="Open Sans Light"/>
-                <a:sym typeface="Open Sans Light"/>
-              </a:rPr>
-              <a:t> </a:t>
-            </a:r>
-            <a:r>
-              <a:rPr lang="en-GB" dirty="0">
-                <a:solidFill>
-                  <a:schemeClr val="dk1"/>
-                </a:solidFill>
-                <a:latin typeface="Open Sans Light"/>
-                <a:ea typeface="Open Sans Light"/>
-                <a:cs typeface="Open Sans Light"/>
-                <a:sym typeface="Open Sans Light"/>
-              </a:rPr>
-              <a:t/>
-            </a:r>
-            <a:br>
-              <a:rPr lang="en-GB" dirty="0">
-                <a:solidFill>
-                  <a:schemeClr val="dk1"/>
-                </a:solidFill>
-                <a:latin typeface="Open Sans Light"/>
-                <a:ea typeface="Open Sans Light"/>
-                <a:cs typeface="Open Sans Light"/>
-                <a:sym typeface="Open Sans Light"/>
-              </a:rPr>
-            </a:br>
-            <a:r>
-              <a:rPr lang="en-GB" dirty="0">
-                <a:solidFill>
-                  <a:schemeClr val="dk1"/>
-                </a:solidFill>
-                <a:latin typeface="Open Sans Light"/>
-                <a:ea typeface="Open Sans Light"/>
-                <a:cs typeface="Open Sans Light"/>
-                <a:sym typeface="Open Sans Light"/>
-              </a:rPr>
-              <a:t/>
-            </a:r>
-            <a:br>
-              <a:rPr lang="en-GB" dirty="0">
-                <a:solidFill>
-                  <a:schemeClr val="dk1"/>
-                </a:solidFill>
-                <a:latin typeface="Open Sans Light"/>
-                <a:ea typeface="Open Sans Light"/>
-                <a:cs typeface="Open Sans Light"/>
-                <a:sym typeface="Open Sans Light"/>
-              </a:rPr>
-            </a:br>
-            <a:r>
-              <a:rPr lang="en-GB" dirty="0">
-                <a:solidFill>
-                  <a:schemeClr val="dk1"/>
-                </a:solidFill>
-                <a:latin typeface="Open Sans Light"/>
-                <a:ea typeface="Open Sans Light"/>
-                <a:cs typeface="Open Sans Light"/>
-                <a:sym typeface="Open Sans Light"/>
-              </a:rPr>
-              <a:t> </a:t>
-            </a:r>
-            <a:r>
-              <a:rPr lang="en-GB" i="0" dirty="0">
-                <a:latin typeface="Arial" panose="020B0604020202020204" pitchFamily="34" charset="0"/>
-              </a:rPr>
-              <a:t/>
-            </a:r>
-            <a:br>
-              <a:rPr lang="en-GB" i="0" dirty="0">
-                <a:latin typeface="Arial" panose="020B0604020202020204" pitchFamily="34" charset="0"/>
-              </a:rPr>
-            </a:br>
-            <a:r>
-              <a:rPr lang="ar-EG" dirty="0">
-                <a:cs typeface="Calibri" panose="020F0502020204030204" pitchFamily="34" charset="0"/>
-              </a:rPr>
-              <a:t/>
-            </a:r>
-            <a:br>
-              <a:rPr lang="ar-EG" dirty="0">
-                <a:cs typeface="Calibri" panose="020F0502020204030204" pitchFamily="34" charset="0"/>
-              </a:rPr>
-            </a:br>
-            <a:r>
-              <a:rPr lang="ar-EG" dirty="0">
-                <a:cs typeface="Calibri" panose="020F0502020204030204" pitchFamily="34" charset="0"/>
-              </a:rPr>
-              <a:t/>
-            </a:r>
-            <a:br>
-              <a:rPr lang="ar-EG" dirty="0">
-                <a:cs typeface="Calibri" panose="020F0502020204030204" pitchFamily="34" charset="0"/>
-              </a:rPr>
-            </a:br>
-            <a:r>
-              <a:rPr lang="ar-EG" dirty="0">
-                <a:cs typeface="Calibri" panose="020F0502020204030204" pitchFamily="34" charset="0"/>
-              </a:rPr>
-              <a:t>               </a:t>
-            </a:r>
-            <a:br>
-              <a:rPr lang="ar-EG" dirty="0">
-                <a:cs typeface="Calibri" panose="020F0502020204030204" pitchFamily="34" charset="0"/>
-              </a:rPr>
-            </a:br>
-            <a:r>
-              <a:rPr lang="ar-EG" dirty="0">
-                <a:cs typeface="Calibri" panose="020F0502020204030204" pitchFamily="34" charset="0"/>
-              </a:rPr>
-              <a:t>             </a:t>
-            </a:r>
-            <a:br>
-              <a:rPr lang="ar-EG" dirty="0">
-                <a:cs typeface="Calibri" panose="020F0502020204030204" pitchFamily="34" charset="0"/>
-              </a:rPr>
-            </a:br>
-            <a:r>
-              <a:rPr lang="ar-EG" dirty="0">
-                <a:cs typeface="Calibri" panose="020F0502020204030204" pitchFamily="34" charset="0"/>
-              </a:rPr>
-              <a:t> </a:t>
-            </a:r>
-            <a:endParaRPr sz="3200" i="0" dirty="0">
-              <a:latin typeface="Calibri" panose="020F0502020204030204" pitchFamily="34" charset="0"/>
-              <a:cs typeface="Calibri" panose="020F0502020204030204" pitchFamily="34" charset="0"/>
-            </a:endParaRPr>
+            <a:r>
+              <a:rPr lang="en-US" dirty="0" smtClean="0"/>
+              <a:t>My_calloc():</a:t>
+            </a:r>
+            <a:endParaRPr lang="en-US" dirty="0"/>
           </a:p>
         </p:txBody>
       </p:sp>
       <p:pic>
         <p:nvPicPr>
-          <p:cNvPr id="8" name="Picture 4" descr="PlantUML diagram"/>
+          <p:cNvPr id="1026" name="Picture 2" descr="PlantUML diagram"/>
           <p:cNvPicPr>
             <a:picLocks noChangeAspect="1" noChangeArrowheads="1"/>
           </p:cNvPicPr>
           <p:nvPr/>
         </p:nvPicPr>
-        <p:blipFill rotWithShape="1">
+        <p:blipFill>
           <a:blip r:embed="rId3">
             <a:extLst>
               <a:ext uri="{28A0092B-C50C-407E-A947-70E740481C1C}">
@@ -6574,13 +5024,15 @@
               </a:ext>
             </a:extLst>
           </a:blip>
-          <a:srcRect t="-1192" b="72113"/>
-          <a:stretch/>
+          <a:srcRect/>
+          <a:stretch>
+            <a:fillRect/>
+          </a:stretch>
         </p:blipFill>
         <p:spPr bwMode="auto">
           <a:xfrm>
-            <a:off x="8166090" y="35888"/>
-            <a:ext cx="3924654" cy="3922097"/>
+            <a:off x="2108199" y="-16429"/>
+            <a:ext cx="9064625" cy="6874429"/>
           </a:xfrm>
           <a:prstGeom prst="rect">
             <a:avLst/>
@@ -6597,228 +5049,10 @@
           </a:extLst>
         </p:spPr>
       </p:pic>
-      <p:pic>
-        <p:nvPicPr>
-          <p:cNvPr id="9" name="Picture 8" descr="PlantUML diagram"/>
-          <p:cNvPicPr>
-            <a:picLocks noChangeAspect="1" noChangeArrowheads="1"/>
-          </p:cNvPicPr>
-          <p:nvPr/>
-        </p:nvPicPr>
-        <p:blipFill rotWithShape="1">
-          <a:blip r:embed="rId3">
-            <a:extLst>
-              <a:ext uri="{28A0092B-C50C-407E-A947-70E740481C1C}">
-                <a14:useLocalDpi xmlns:a14="http://schemas.microsoft.com/office/drawing/2010/main" val="0"/>
-              </a:ext>
-            </a:extLst>
-          </a:blip>
-          <a:srcRect t="27611" b="51742"/>
-          <a:stretch/>
-        </p:blipFill>
-        <p:spPr bwMode="auto">
-          <a:xfrm>
-            <a:off x="8166090" y="3932504"/>
-            <a:ext cx="3924654" cy="2784725"/>
-          </a:xfrm>
-          <a:prstGeom prst="rect">
-            <a:avLst/>
-          </a:prstGeom>
-          <a:noFill/>
-          <a:extLst>
-            <a:ext uri="{909E8E84-426E-40DD-AFC4-6F175D3DCCD1}">
-              <a14:hiddenFill xmlns:a14="http://schemas.microsoft.com/office/drawing/2010/main">
-                <a:solidFill>
-                  <a:srgbClr val="FFFFFF"/>
-                </a:solidFill>
-              </a14:hiddenFill>
-            </a:ext>
-          </a:extLst>
-        </p:spPr>
-      </p:pic>
-      <p:pic>
-        <p:nvPicPr>
-          <p:cNvPr id="10" name="Picture 4" descr="PlantUML diagram"/>
-          <p:cNvPicPr>
-            <a:picLocks noChangeAspect="1" noChangeArrowheads="1"/>
-          </p:cNvPicPr>
-          <p:nvPr/>
-        </p:nvPicPr>
-        <p:blipFill rotWithShape="1">
-          <a:blip r:embed="rId3">
-            <a:extLst>
-              <a:ext uri="{28A0092B-C50C-407E-A947-70E740481C1C}">
-                <a14:useLocalDpi xmlns:a14="http://schemas.microsoft.com/office/drawing/2010/main" val="0"/>
-              </a:ext>
-            </a:extLst>
-          </a:blip>
-          <a:srcRect t="47835"/>
-          <a:stretch/>
-        </p:blipFill>
-        <p:spPr bwMode="auto">
-          <a:xfrm>
-            <a:off x="1976035" y="49074"/>
-            <a:ext cx="3805422" cy="6822112"/>
-          </a:xfrm>
-          <a:prstGeom prst="rect">
-            <a:avLst/>
-          </a:prstGeom>
-          <a:noFill/>
-          <a:extLst>
-            <a:ext uri="{909E8E84-426E-40DD-AFC4-6F175D3DCCD1}">
-              <a14:hiddenFill xmlns:a14="http://schemas.microsoft.com/office/drawing/2010/main">
-                <a:solidFill>
-                  <a:srgbClr val="FFFFFF"/>
-                </a:solidFill>
-              </a14:hiddenFill>
-            </a:ext>
-          </a:extLst>
-        </p:spPr>
-      </p:pic>
-      <p:sp>
-        <p:nvSpPr>
-          <p:cNvPr id="11" name="TextBox 10"/>
-          <p:cNvSpPr txBox="1"/>
-          <p:nvPr/>
-        </p:nvSpPr>
-        <p:spPr>
-          <a:xfrm>
-            <a:off x="6794490" y="458758"/>
-            <a:ext cx="1371600" cy="307777"/>
-          </a:xfrm>
-          <a:prstGeom prst="rect">
-            <a:avLst/>
-          </a:prstGeom>
-          <a:solidFill>
-            <a:schemeClr val="tx2">
-              <a:lumMod val="60000"/>
-              <a:lumOff val="40000"/>
-            </a:schemeClr>
-          </a:solidFill>
-        </p:spPr>
-        <p:txBody>
-          <a:bodyPr wrap="square" rtlCol="0">
-            <a:spAutoFit/>
-          </a:bodyPr>
-          <a:lstStyle/>
-          <a:p>
-            <a:r>
-              <a:rPr lang="en-US" dirty="0" smtClean="0"/>
-              <a:t>Insert node():</a:t>
-            </a:r>
-            <a:endParaRPr lang="en-US" dirty="0"/>
-          </a:p>
-        </p:txBody>
-      </p:sp>
-      <p:sp>
-        <p:nvSpPr>
-          <p:cNvPr id="12" name="TextBox 11"/>
-          <p:cNvSpPr txBox="1"/>
-          <p:nvPr/>
-        </p:nvSpPr>
-        <p:spPr>
-          <a:xfrm>
-            <a:off x="604435" y="458759"/>
-            <a:ext cx="1371600" cy="307777"/>
-          </a:xfrm>
-          <a:prstGeom prst="rect">
-            <a:avLst/>
-          </a:prstGeom>
-          <a:solidFill>
-            <a:schemeClr val="tx2">
-              <a:lumMod val="60000"/>
-              <a:lumOff val="40000"/>
-            </a:schemeClr>
-          </a:solidFill>
-        </p:spPr>
-        <p:txBody>
-          <a:bodyPr wrap="square" rtlCol="0">
-            <a:spAutoFit/>
-          </a:bodyPr>
-          <a:lstStyle/>
-          <a:p>
-            <a:r>
-              <a:rPr lang="en-US" dirty="0" smtClean="0"/>
-              <a:t>Split node():</a:t>
-            </a:r>
-            <a:endParaRPr lang="en-US" dirty="0"/>
-          </a:p>
-        </p:txBody>
-      </p:sp>
-      <p:sp>
-        <p:nvSpPr>
-          <p:cNvPr id="13" name="TextBox 12"/>
-          <p:cNvSpPr txBox="1"/>
-          <p:nvPr/>
-        </p:nvSpPr>
-        <p:spPr>
-          <a:xfrm>
-            <a:off x="419951" y="2145296"/>
-            <a:ext cx="1556084" cy="307777"/>
-          </a:xfrm>
-          <a:prstGeom prst="rect">
-            <a:avLst/>
-          </a:prstGeom>
-          <a:solidFill>
-            <a:schemeClr val="tx2">
-              <a:lumMod val="60000"/>
-              <a:lumOff val="40000"/>
-            </a:schemeClr>
-          </a:solidFill>
-        </p:spPr>
-        <p:txBody>
-          <a:bodyPr wrap="square" rtlCol="0">
-            <a:spAutoFit/>
-          </a:bodyPr>
-          <a:lstStyle/>
-          <a:p>
-            <a:r>
-              <a:rPr lang="en-US" dirty="0" smtClean="0"/>
-              <a:t>Merge nodes():</a:t>
-            </a:r>
-            <a:endParaRPr lang="en-US" dirty="0"/>
-          </a:p>
-        </p:txBody>
-      </p:sp>
-      <p:sp>
-        <p:nvSpPr>
-          <p:cNvPr id="14" name="TextBox 13"/>
-          <p:cNvSpPr txBox="1"/>
-          <p:nvPr/>
-        </p:nvSpPr>
-        <p:spPr>
-          <a:xfrm>
-            <a:off x="604435" y="4340947"/>
-            <a:ext cx="1371600" cy="307777"/>
-          </a:xfrm>
-          <a:prstGeom prst="rect">
-            <a:avLst/>
-          </a:prstGeom>
-          <a:solidFill>
-            <a:schemeClr val="tx2">
-              <a:lumMod val="60000"/>
-              <a:lumOff val="40000"/>
-            </a:schemeClr>
-          </a:solidFill>
-        </p:spPr>
-        <p:txBody>
-          <a:bodyPr wrap="square" rtlCol="0">
-            <a:spAutoFit/>
-          </a:bodyPr>
-          <a:lstStyle/>
-          <a:p>
-            <a:r>
-              <a:rPr lang="en-US" dirty="0" smtClean="0"/>
-              <a:t>Sbrk down():</a:t>
-            </a:r>
-            <a:endParaRPr lang="en-US" dirty="0"/>
-          </a:p>
-        </p:txBody>
-      </p:sp>
     </p:spTree>
     <p:extLst>
       <p:ext uri="{BB962C8B-B14F-4D97-AF65-F5344CB8AC3E}">
-        <p14:creationId xmlns:p14="http://schemas.microsoft.com/office/powerpoint/2010/main" val="480035942"/>
+        <p14:creationId xmlns:p14="http://schemas.microsoft.com/office/powerpoint/2010/main" val="2982182742"/>
       </p:ext>
     </p:extLst>
   </p:cSld>
@@ -6840,129 +5074,214 @@
   <p:timing>
     <p:tnLst>
       <p:par>
-        <p:cTn id="1" dur="indefinite" restart="never" nodeType="tmRoot">
-          <p:childTnLst>
-            <p:seq concurrent="1" nextAc="seek">
-              <p:cTn id="2" dur="indefinite" nodeType="mainSeq">
-                <p:childTnLst>
-                  <p:par>
-                    <p:cTn id="3" fill="hold">
-                      <p:stCondLst>
-                        <p:cond delay="indefinite"/>
-                        <p:cond evt="onBegin" delay="0">
-                          <p:tn val="2"/>
-                        </p:cond>
-                      </p:stCondLst>
-                      <p:childTnLst>
-                        <p:par>
-                          <p:cTn id="4" fill="hold">
-                            <p:stCondLst>
-                              <p:cond delay="0"/>
-                            </p:stCondLst>
-                            <p:childTnLst>
-                              <p:par>
-                                <p:cTn id="5" presetID="2" presetClass="entr" presetSubtype="4" fill="hold" grpId="0" nodeType="withEffect">
-                                  <p:stCondLst>
-                                    <p:cond delay="0"/>
-                                  </p:stCondLst>
-                                  <p:childTnLst>
-                                    <p:set>
-                                      <p:cBhvr>
-                                        <p:cTn id="6" dur="1" fill="hold">
-                                          <p:stCondLst>
-                                            <p:cond delay="0"/>
-                                          </p:stCondLst>
-                                        </p:cTn>
-                                        <p:tgtEl>
-                                          <p:spTgt spid="143"/>
-                                        </p:tgtEl>
-                                        <p:attrNameLst>
-                                          <p:attrName>style.visibility</p:attrName>
-                                        </p:attrNameLst>
-                                      </p:cBhvr>
-                                      <p:to>
-                                        <p:strVal val="visible"/>
-                                      </p:to>
-                                    </p:set>
-                                    <p:anim calcmode="lin" valueType="num">
-                                      <p:cBhvr additive="base">
-                                        <p:cTn id="7" dur="500" fill="hold"/>
-                                        <p:tgtEl>
-                                          <p:spTgt spid="143"/>
-                                        </p:tgtEl>
-                                        <p:attrNameLst>
-                                          <p:attrName>ppt_x</p:attrName>
-                                        </p:attrNameLst>
-                                      </p:cBhvr>
-                                      <p:tavLst>
-                                        <p:tav tm="0">
-                                          <p:val>
-                                            <p:strVal val="#ppt_x"/>
-                                          </p:val>
-                                        </p:tav>
-                                        <p:tav tm="100000">
-                                          <p:val>
-                                            <p:strVal val="#ppt_x"/>
-                                          </p:val>
-                                        </p:tav>
-                                      </p:tavLst>
-                                    </p:anim>
-                                    <p:anim calcmode="lin" valueType="num">
-                                      <p:cBhvr additive="base">
-                                        <p:cTn id="8" dur="500" fill="hold"/>
-                                        <p:tgtEl>
-                                          <p:spTgt spid="143"/>
-                                        </p:tgtEl>
-                                        <p:attrNameLst>
-                                          <p:attrName>ppt_y</p:attrName>
-                                        </p:attrNameLst>
-                                      </p:cBhvr>
-                                      <p:tavLst>
-                                        <p:tav tm="0">
-                                          <p:val>
-                                            <p:strVal val="1+#ppt_h/2"/>
-                                          </p:val>
-                                        </p:tav>
-                                        <p:tav tm="100000">
-                                          <p:val>
-                                            <p:strVal val="#ppt_y"/>
-                                          </p:val>
-                                        </p:tav>
-                                      </p:tavLst>
-                                    </p:anim>
-                                  </p:childTnLst>
-                                </p:cTn>
-                              </p:par>
-                            </p:childTnLst>
-                          </p:cTn>
-                        </p:par>
-                      </p:childTnLst>
-                    </p:cTn>
-                  </p:par>
-                </p:childTnLst>
-              </p:cTn>
-              <p:prevCondLst>
-                <p:cond evt="onPrev" delay="0">
-                  <p:tgtEl>
-                    <p:sldTgt/>
-                  </p:tgtEl>
-                </p:cond>
-              </p:prevCondLst>
-              <p:nextCondLst>
-                <p:cond evt="onNext" delay="0">
-                  <p:tgtEl>
-                    <p:sldTgt/>
-                  </p:tgtEl>
-                </p:cond>
-              </p:nextCondLst>
-            </p:seq>
-          </p:childTnLst>
-        </p:cTn>
+        <p:cTn id="1" dur="indefinite" restart="never" nodeType="tmRoot"/>
       </p:par>
     </p:tnLst>
-    <p:bldLst>
-      <p:bldP spid="143" grpId="0"/>
-    </p:bldLst>
+  </p:timing>
+</p:sld>
+</file>
+
+<file path=ppt/slides/slide5.xml><?xml version="1.0" encoding="utf-8"?>
+<p:sld xmlns:a="http://schemas.openxmlformats.org/drawingml/2006/main" xmlns:r="http://schemas.openxmlformats.org/officeDocument/2006/relationships" xmlns:p="http://schemas.openxmlformats.org/presentationml/2006/main">
+  <p:cSld>
+    <p:spTree>
+      <p:nvGrpSpPr>
+        <p:cNvPr id="1" name=""/>
+        <p:cNvGrpSpPr/>
+        <p:nvPr/>
+      </p:nvGrpSpPr>
+      <p:grpSpPr>
+        <a:xfrm>
+          <a:off x="0" y="0"/>
+          <a:ext cx="0" cy="0"/>
+          <a:chOff x="0" y="0"/>
+          <a:chExt cx="0" cy="0"/>
+        </a:xfrm>
+      </p:grpSpPr>
+      <p:sp>
+        <p:nvSpPr>
+          <p:cNvPr id="5" name="TextBox 4"/>
+          <p:cNvSpPr txBox="1"/>
+          <p:nvPr/>
+        </p:nvSpPr>
+        <p:spPr>
+          <a:xfrm>
+            <a:off x="818034" y="229254"/>
+            <a:ext cx="1371600" cy="523220"/>
+          </a:xfrm>
+          <a:prstGeom prst="rect">
+            <a:avLst/>
+          </a:prstGeom>
+          <a:solidFill>
+            <a:schemeClr val="tx2">
+              <a:lumMod val="60000"/>
+              <a:lumOff val="40000"/>
+            </a:schemeClr>
+          </a:solidFill>
+        </p:spPr>
+        <p:txBody>
+          <a:bodyPr wrap="square" rtlCol="0">
+            <a:spAutoFit/>
+          </a:bodyPr>
+          <a:lstStyle/>
+          <a:p>
+            <a:r>
+              <a:rPr lang="en-US" dirty="0" smtClean="0"/>
+              <a:t>append node():</a:t>
+            </a:r>
+            <a:endParaRPr lang="en-US" dirty="0"/>
+          </a:p>
+        </p:txBody>
+      </p:sp>
+      <p:sp>
+        <p:nvSpPr>
+          <p:cNvPr id="7" name="TextBox 6"/>
+          <p:cNvSpPr txBox="1"/>
+          <p:nvPr/>
+        </p:nvSpPr>
+        <p:spPr>
+          <a:xfrm>
+            <a:off x="6096000" y="196920"/>
+            <a:ext cx="1371600" cy="523220"/>
+          </a:xfrm>
+          <a:prstGeom prst="rect">
+            <a:avLst/>
+          </a:prstGeom>
+          <a:solidFill>
+            <a:schemeClr val="tx2">
+              <a:lumMod val="60000"/>
+              <a:lumOff val="40000"/>
+            </a:schemeClr>
+          </a:solidFill>
+        </p:spPr>
+        <p:txBody>
+          <a:bodyPr wrap="square" rtlCol="0">
+            <a:spAutoFit/>
+          </a:bodyPr>
+          <a:lstStyle/>
+          <a:p>
+            <a:r>
+              <a:rPr lang="en-US" dirty="0" smtClean="0"/>
+              <a:t>Insert beginning </a:t>
+            </a:r>
+            <a:r>
+              <a:rPr lang="en-US" dirty="0"/>
+              <a:t>():</a:t>
+            </a:r>
+            <a:endParaRPr lang="en-US" dirty="0"/>
+          </a:p>
+        </p:txBody>
+      </p:sp>
+      <p:pic>
+        <p:nvPicPr>
+          <p:cNvPr id="5122" name="Picture 2" descr="PlantUML diagram"/>
+          <p:cNvPicPr>
+            <a:picLocks noChangeAspect="1" noChangeArrowheads="1"/>
+          </p:cNvPicPr>
+          <p:nvPr/>
+        </p:nvPicPr>
+        <p:blipFill>
+          <a:blip r:embed="rId3">
+            <a:extLst>
+              <a:ext uri="{28A0092B-C50C-407E-A947-70E740481C1C}">
+                <a14:useLocalDpi xmlns:a14="http://schemas.microsoft.com/office/drawing/2010/main" val="0"/>
+              </a:ext>
+            </a:extLst>
+          </a:blip>
+          <a:srcRect/>
+          <a:stretch>
+            <a:fillRect/>
+          </a:stretch>
+        </p:blipFill>
+        <p:spPr bwMode="auto">
+          <a:xfrm>
+            <a:off x="6510970" y="752474"/>
+            <a:ext cx="4333875" cy="6105526"/>
+          </a:xfrm>
+          <a:prstGeom prst="rect">
+            <a:avLst/>
+          </a:prstGeom>
+          <a:noFill/>
+          <a:extLst>
+            <a:ext uri="{909E8E84-426E-40DD-AFC4-6F175D3DCCD1}">
+              <a14:hiddenFill xmlns:a14="http://schemas.microsoft.com/office/drawing/2010/main">
+                <a:solidFill>
+                  <a:srgbClr val="FFFFFF"/>
+                </a:solidFill>
+              </a14:hiddenFill>
+            </a:ext>
+          </a:extLst>
+        </p:spPr>
+      </p:pic>
+      <p:pic>
+        <p:nvPicPr>
+          <p:cNvPr id="5124" name="Picture 4" descr="PlantUML diagram"/>
+          <p:cNvPicPr>
+            <a:picLocks noChangeAspect="1" noChangeArrowheads="1"/>
+          </p:cNvPicPr>
+          <p:nvPr/>
+        </p:nvPicPr>
+        <p:blipFill>
+          <a:blip r:embed="rId4">
+            <a:extLst>
+              <a:ext uri="{28A0092B-C50C-407E-A947-70E740481C1C}">
+                <a14:useLocalDpi xmlns:a14="http://schemas.microsoft.com/office/drawing/2010/main" val="0"/>
+              </a:ext>
+            </a:extLst>
+          </a:blip>
+          <a:srcRect/>
+          <a:stretch>
+            <a:fillRect/>
+          </a:stretch>
+        </p:blipFill>
+        <p:spPr bwMode="auto">
+          <a:xfrm>
+            <a:off x="220436" y="849337"/>
+            <a:ext cx="4963886" cy="5911800"/>
+          </a:xfrm>
+          <a:prstGeom prst="rect">
+            <a:avLst/>
+          </a:prstGeom>
+          <a:noFill/>
+          <a:extLst>
+            <a:ext uri="{909E8E84-426E-40DD-AFC4-6F175D3DCCD1}">
+              <a14:hiddenFill xmlns:a14="http://schemas.microsoft.com/office/drawing/2010/main">
+                <a:solidFill>
+                  <a:srgbClr val="FFFFFF"/>
+                </a:solidFill>
+              </a14:hiddenFill>
+            </a:ext>
+          </a:extLst>
+        </p:spPr>
+      </p:pic>
+    </p:spTree>
+    <p:extLst>
+      <p:ext uri="{BB962C8B-B14F-4D97-AF65-F5344CB8AC3E}">
+        <p14:creationId xmlns:p14="http://schemas.microsoft.com/office/powerpoint/2010/main" val="1772671467"/>
+      </p:ext>
+    </p:extLst>
+  </p:cSld>
+  <p:clrMapOvr>
+    <a:masterClrMapping/>
+  </p:clrMapOvr>
+  <mc:AlternateContent xmlns:mc="http://schemas.openxmlformats.org/markup-compatibility/2006" xmlns:p14="http://schemas.microsoft.com/office/powerpoint/2010/main">
+    <mc:Choice Requires="p14">
+      <p:transition spd="slow">
+        <p14:reveal/>
+      </p:transition>
+    </mc:Choice>
+    <mc:Fallback xmlns="">
+      <p:transition spd="slow">
+        <p:fade/>
+      </p:transition>
+    </mc:Fallback>
+  </mc:AlternateContent>
+  <p:timing>
+    <p:tnLst>
+      <p:par>
+        <p:cTn id="1" dur="indefinite" restart="never" nodeType="tmRoot"/>
+      </p:par>
+    </p:tnLst>
   </p:timing>
 </p:sld>
 </file>
@@ -6986,77 +5305,13 @@
       </p:grpSpPr>
       <p:sp>
         <p:nvSpPr>
-          <p:cNvPr id="7" name="Google Shape;133;p3"/>
-          <p:cNvSpPr/>
-          <p:nvPr/>
-        </p:nvSpPr>
-        <p:spPr>
-          <a:xfrm rot="10800000">
-            <a:off x="1" y="-52008"/>
-            <a:ext cx="5108148" cy="6926578"/>
-          </a:xfrm>
-          <a:custGeom>
-            <a:avLst/>
-            <a:gdLst/>
-            <a:ahLst/>
-            <a:cxnLst/>
-            <a:rect l="l" t="t" r="r" b="b"/>
-            <a:pathLst>
-              <a:path w="6699211" h="6857998" extrusionOk="0">
-                <a:moveTo>
-                  <a:pt x="2702995" y="42638"/>
-                </a:moveTo>
-                <a:lnTo>
-                  <a:pt x="6699211" y="0"/>
-                </a:lnTo>
-                <a:lnTo>
-                  <a:pt x="6699211" y="6857998"/>
-                </a:lnTo>
-                <a:lnTo>
-                  <a:pt x="0" y="6844350"/>
-                </a:lnTo>
-                <a:lnTo>
-                  <a:pt x="2702995" y="42638"/>
-                </a:lnTo>
-                <a:close/>
-              </a:path>
-            </a:pathLst>
-          </a:custGeom>
-          <a:solidFill>
-            <a:schemeClr val="lt2"/>
-          </a:solidFill>
-          <a:ln>
-            <a:noFill/>
-          </a:ln>
-        </p:spPr>
-        <p:txBody>
-          <a:bodyPr spcFirstLastPara="1" wrap="square" lIns="91425" tIns="45700" rIns="91425" bIns="45700" anchor="ctr" anchorCtr="0">
-            <a:noAutofit/>
-          </a:bodyPr>
-          <a:lstStyle/>
-          <a:p>
-            <a:pPr marL="0" lvl="0" indent="0" algn="l" rtl="0">
-              <a:spcBef>
-                <a:spcPts val="0"/>
-              </a:spcBef>
-              <a:spcAft>
-                <a:spcPts val="0"/>
-              </a:spcAft>
-              <a:buNone/>
-            </a:pPr>
-            <a:endParaRPr lang="en-GB" dirty="0"/>
-          </a:p>
-        </p:txBody>
-      </p:sp>
-      <p:sp>
-        <p:nvSpPr>
-          <p:cNvPr id="9" name="TextBox 8"/>
+          <p:cNvPr id="5" name="TextBox 4"/>
           <p:cNvSpPr txBox="1"/>
           <p:nvPr/>
         </p:nvSpPr>
         <p:spPr>
           <a:xfrm>
-            <a:off x="396209" y="307778"/>
+            <a:off x="812075" y="589951"/>
             <a:ext cx="1371600" cy="307777"/>
           </a:xfrm>
           <a:prstGeom prst="rect">
@@ -7077,7 +5332,42 @@
           <a:p>
             <a:r>
               <a:rPr lang="en-US" dirty="0" smtClean="0"/>
-              <a:t>My_malloc():</a:t>
+              <a:t>Insert node():</a:t>
+            </a:r>
+            <a:endParaRPr lang="en-US" dirty="0"/>
+          </a:p>
+        </p:txBody>
+      </p:sp>
+      <p:sp>
+        <p:nvSpPr>
+          <p:cNvPr id="7" name="TextBox 6"/>
+          <p:cNvSpPr txBox="1"/>
+          <p:nvPr/>
+        </p:nvSpPr>
+        <p:spPr>
+          <a:xfrm>
+            <a:off x="6096000" y="589952"/>
+            <a:ext cx="1371600" cy="307777"/>
+          </a:xfrm>
+          <a:prstGeom prst="rect">
+            <a:avLst/>
+          </a:prstGeom>
+          <a:solidFill>
+            <a:schemeClr val="tx2">
+              <a:lumMod val="60000"/>
+              <a:lumOff val="40000"/>
+            </a:schemeClr>
+          </a:solidFill>
+        </p:spPr>
+        <p:txBody>
+          <a:bodyPr wrap="square" rtlCol="0">
+            <a:spAutoFit/>
+          </a:bodyPr>
+          <a:lstStyle/>
+          <a:p>
+            <a:r>
+              <a:rPr lang="en-US" dirty="0" smtClean="0"/>
+              <a:t>Split node():</a:t>
             </a:r>
             <a:endParaRPr lang="en-US" dirty="0"/>
           </a:p>
@@ -7085,27 +5375,70 @@
       </p:sp>
       <p:pic>
         <p:nvPicPr>
-          <p:cNvPr id="10" name="Picture 2" descr="PlantUML diagram"/>
+          <p:cNvPr id="3074" name="Picture 2" descr="PlantUML diagram"/>
           <p:cNvPicPr>
             <a:picLocks noChangeAspect="1" noChangeArrowheads="1"/>
           </p:cNvPicPr>
           <p:nvPr/>
         </p:nvPicPr>
-        <p:blipFill rotWithShape="1">
-          <a:blip r:embed="rId2">
+        <p:blipFill>
+          <a:blip r:embed="rId3">
             <a:extLst>
               <a:ext uri="{28A0092B-C50C-407E-A947-70E740481C1C}">
                 <a14:useLocalDpi xmlns:a14="http://schemas.microsoft.com/office/drawing/2010/main" val="0"/>
               </a:ext>
             </a:extLst>
           </a:blip>
-          <a:srcRect l="-184" t="528" r="393" b="478"/>
-          <a:stretch/>
+          <a:srcRect/>
+          <a:stretch>
+            <a:fillRect/>
+          </a:stretch>
         </p:blipFill>
         <p:spPr bwMode="auto">
           <a:xfrm>
-            <a:off x="1894114" y="-33328"/>
-            <a:ext cx="10297886" cy="6891328"/>
+            <a:off x="5456523" y="1156994"/>
+            <a:ext cx="6735477" cy="4545463"/>
+          </a:xfrm>
+          <a:prstGeom prst="rect">
+            <a:avLst/>
+          </a:prstGeom>
+          <a:noFill/>
+          <a:extLst>
+            <a:ext uri="{909E8E84-426E-40DD-AFC4-6F175D3DCCD1}">
+              <a14:hiddenFill xmlns:a14="http://schemas.microsoft.com/office/drawing/2010/main">
+                <a:solidFill>
+                  <a:srgbClr val="FFFFFF"/>
+                </a:solidFill>
+              </a14:hiddenFill>
+            </a:ext>
+          </a:extLst>
+        </p:spPr>
+      </p:pic>
+      <p:pic>
+        <p:nvPicPr>
+          <p:cNvPr id="3076" name="Picture 4" descr="PlantUML diagram"/>
+          <p:cNvPicPr>
+            <a:picLocks noChangeAspect="1" noChangeArrowheads="1"/>
+          </p:cNvPicPr>
+          <p:nvPr/>
+        </p:nvPicPr>
+        <p:blipFill>
+          <a:blip r:embed="rId4">
+            <a:extLst>
+              <a:ext uri="{28A0092B-C50C-407E-A947-70E740481C1C}">
+                <a14:useLocalDpi xmlns:a14="http://schemas.microsoft.com/office/drawing/2010/main" val="0"/>
+              </a:ext>
+            </a:extLst>
+          </a:blip>
+          <a:srcRect/>
+          <a:stretch>
+            <a:fillRect/>
+          </a:stretch>
+        </p:blipFill>
+        <p:spPr bwMode="auto">
+          <a:xfrm>
+            <a:off x="0" y="1156994"/>
+            <a:ext cx="5544787" cy="5521392"/>
           </a:xfrm>
           <a:prstGeom prst="rect">
             <a:avLst/>
@@ -7125,7 +5458,208 @@
     </p:spTree>
     <p:extLst>
       <p:ext uri="{BB962C8B-B14F-4D97-AF65-F5344CB8AC3E}">
-        <p14:creationId xmlns:p14="http://schemas.microsoft.com/office/powerpoint/2010/main" val="3683480278"/>
+        <p14:creationId xmlns:p14="http://schemas.microsoft.com/office/powerpoint/2010/main" val="1970203487"/>
+      </p:ext>
+    </p:extLst>
+  </p:cSld>
+  <p:clrMapOvr>
+    <a:masterClrMapping/>
+  </p:clrMapOvr>
+  <mc:AlternateContent xmlns:mc="http://schemas.openxmlformats.org/markup-compatibility/2006" xmlns:p14="http://schemas.microsoft.com/office/powerpoint/2010/main">
+    <mc:Choice Requires="p14">
+      <p:transition spd="slow">
+        <p14:reveal/>
+      </p:transition>
+    </mc:Choice>
+    <mc:Fallback xmlns="">
+      <p:transition spd="slow">
+        <p:fade/>
+      </p:transition>
+    </mc:Fallback>
+  </mc:AlternateContent>
+  <p:timing>
+    <p:tnLst>
+      <p:par>
+        <p:cTn id="1" dur="indefinite" restart="never" nodeType="tmRoot"/>
+      </p:par>
+    </p:tnLst>
+  </p:timing>
+</p:sld>
+</file>
+
+<file path=ppt/slides/slide7.xml><?xml version="1.0" encoding="utf-8"?>
+<p:sld xmlns:a="http://schemas.openxmlformats.org/drawingml/2006/main" xmlns:r="http://schemas.openxmlformats.org/officeDocument/2006/relationships" xmlns:p="http://schemas.openxmlformats.org/presentationml/2006/main">
+  <p:cSld>
+    <p:spTree>
+      <p:nvGrpSpPr>
+        <p:cNvPr id="1" name=""/>
+        <p:cNvGrpSpPr/>
+        <p:nvPr/>
+      </p:nvGrpSpPr>
+      <p:grpSpPr>
+        <a:xfrm>
+          <a:off x="0" y="0"/>
+          <a:ext cx="0" cy="0"/>
+          <a:chOff x="0" y="0"/>
+          <a:chExt cx="0" cy="0"/>
+        </a:xfrm>
+      </p:grpSpPr>
+      <p:sp>
+        <p:nvSpPr>
+          <p:cNvPr id="5" name="TextBox 4"/>
+          <p:cNvSpPr txBox="1"/>
+          <p:nvPr/>
+        </p:nvSpPr>
+        <p:spPr>
+          <a:xfrm>
+            <a:off x="6096001" y="589952"/>
+            <a:ext cx="1556084" cy="307777"/>
+          </a:xfrm>
+          <a:prstGeom prst="rect">
+            <a:avLst/>
+          </a:prstGeom>
+          <a:solidFill>
+            <a:schemeClr val="tx2">
+              <a:lumMod val="60000"/>
+              <a:lumOff val="40000"/>
+            </a:schemeClr>
+          </a:solidFill>
+        </p:spPr>
+        <p:txBody>
+          <a:bodyPr wrap="square" rtlCol="0">
+            <a:spAutoFit/>
+          </a:bodyPr>
+          <a:lstStyle/>
+          <a:p>
+            <a:r>
+              <a:rPr lang="en-US" dirty="0" smtClean="0"/>
+              <a:t>Merge nodes():</a:t>
+            </a:r>
+            <a:endParaRPr lang="en-US" dirty="0"/>
+          </a:p>
+        </p:txBody>
+      </p:sp>
+      <p:sp>
+        <p:nvSpPr>
+          <p:cNvPr id="6" name="TextBox 5"/>
+          <p:cNvSpPr txBox="1"/>
+          <p:nvPr/>
+        </p:nvSpPr>
+        <p:spPr>
+          <a:xfrm>
+            <a:off x="826168" y="589951"/>
+            <a:ext cx="1371600" cy="307777"/>
+          </a:xfrm>
+          <a:prstGeom prst="rect">
+            <a:avLst/>
+          </a:prstGeom>
+          <a:solidFill>
+            <a:schemeClr val="tx2">
+              <a:lumMod val="60000"/>
+              <a:lumOff val="40000"/>
+            </a:schemeClr>
+          </a:solidFill>
+        </p:spPr>
+        <p:txBody>
+          <a:bodyPr wrap="square" rtlCol="0">
+            <a:spAutoFit/>
+          </a:bodyPr>
+          <a:lstStyle/>
+          <a:p>
+            <a:r>
+              <a:rPr lang="en-US" dirty="0" smtClean="0"/>
+              <a:t>Sbrk down():</a:t>
+            </a:r>
+            <a:endParaRPr lang="en-US" dirty="0"/>
+          </a:p>
+        </p:txBody>
+      </p:sp>
+      <p:pic>
+        <p:nvPicPr>
+          <p:cNvPr id="4098" name="Picture 2" descr="PlantUML diagram"/>
+          <p:cNvPicPr>
+            <a:picLocks noChangeAspect="1" noChangeArrowheads="1"/>
+          </p:cNvPicPr>
+          <p:nvPr/>
+        </p:nvPicPr>
+        <p:blipFill>
+          <a:blip r:embed="rId2">
+            <a:extLst>
+              <a:ext uri="{28A0092B-C50C-407E-A947-70E740481C1C}">
+                <a14:useLocalDpi xmlns:a14="http://schemas.microsoft.com/office/drawing/2010/main" val="0"/>
+              </a:ext>
+            </a:extLst>
+          </a:blip>
+          <a:srcRect/>
+          <a:stretch>
+            <a:fillRect/>
+          </a:stretch>
+        </p:blipFill>
+        <p:spPr bwMode="auto">
+          <a:xfrm>
+            <a:off x="4660900" y="1046776"/>
+            <a:ext cx="7531100" cy="4734406"/>
+          </a:xfrm>
+          <a:prstGeom prst="rect">
+            <a:avLst/>
+          </a:prstGeom>
+          <a:noFill/>
+          <a:extLst>
+            <a:ext uri="{909E8E84-426E-40DD-AFC4-6F175D3DCCD1}">
+              <a14:hiddenFill xmlns:a14="http://schemas.microsoft.com/office/drawing/2010/main">
+                <a:solidFill>
+                  <a:srgbClr val="FFFFFF"/>
+                </a:solidFill>
+              </a14:hiddenFill>
+            </a:ext>
+          </a:extLst>
+        </p:spPr>
+      </p:pic>
+      <p:pic>
+        <p:nvPicPr>
+          <p:cNvPr id="4100" name="Picture 4" descr="PlantUML diagram"/>
+          <p:cNvPicPr>
+            <a:picLocks noChangeAspect="1" noChangeArrowheads="1"/>
+          </p:cNvPicPr>
+          <p:nvPr/>
+        </p:nvPicPr>
+        <p:blipFill>
+          <a:blip r:embed="rId3">
+            <a:extLst>
+              <a:ext uri="{28A0092B-C50C-407E-A947-70E740481C1C}">
+                <a14:useLocalDpi xmlns:a14="http://schemas.microsoft.com/office/drawing/2010/main" val="0"/>
+              </a:ext>
+            </a:extLst>
+          </a:blip>
+          <a:srcRect/>
+          <a:stretch>
+            <a:fillRect/>
+          </a:stretch>
+        </p:blipFill>
+        <p:spPr bwMode="auto">
+          <a:xfrm>
+            <a:off x="0" y="1046776"/>
+            <a:ext cx="4612607" cy="5811224"/>
+          </a:xfrm>
+          <a:prstGeom prst="rect">
+            <a:avLst/>
+          </a:prstGeom>
+          <a:noFill/>
+          <a:extLst>
+            <a:ext uri="{909E8E84-426E-40DD-AFC4-6F175D3DCCD1}">
+              <a14:hiddenFill xmlns:a14="http://schemas.microsoft.com/office/drawing/2010/main">
+                <a:solidFill>
+                  <a:srgbClr val="FFFFFF"/>
+                </a:solidFill>
+              </a14:hiddenFill>
+            </a:ext>
+          </a:extLst>
+        </p:spPr>
+      </p:pic>
+    </p:spTree>
+    <p:extLst>
+      <p:ext uri="{BB962C8B-B14F-4D97-AF65-F5344CB8AC3E}">
+        <p14:creationId xmlns:p14="http://schemas.microsoft.com/office/powerpoint/2010/main" val="158188187"/>
       </p:ext>
     </p:extLst>
   </p:cSld>
